--- a/presentations/problem_presentation.pptx
+++ b/presentations/problem_presentation.pptx
@@ -88,9 +88,9 @@
         </a:solidFill>
         <a:effectLst/>
         <a:uFillTx/>
-        <a:latin typeface="+mn-lt"/>
-        <a:ea typeface="+mn-ea"/>
-        <a:cs typeface="+mn-cs"/>
+        <a:latin typeface="+mj-lt"/>
+        <a:ea typeface="+mj-ea"/>
+        <a:cs typeface="+mj-cs"/>
         <a:sym typeface="Calibri"/>
       </a:defRPr>
     </a:lvl1pPr>
@@ -118,9 +118,9 @@
         </a:solidFill>
         <a:effectLst/>
         <a:uFillTx/>
-        <a:latin typeface="+mn-lt"/>
-        <a:ea typeface="+mn-ea"/>
-        <a:cs typeface="+mn-cs"/>
+        <a:latin typeface="+mj-lt"/>
+        <a:ea typeface="+mj-ea"/>
+        <a:cs typeface="+mj-cs"/>
         <a:sym typeface="Calibri"/>
       </a:defRPr>
     </a:lvl2pPr>
@@ -148,9 +148,9 @@
         </a:solidFill>
         <a:effectLst/>
         <a:uFillTx/>
-        <a:latin typeface="+mn-lt"/>
-        <a:ea typeface="+mn-ea"/>
-        <a:cs typeface="+mn-cs"/>
+        <a:latin typeface="+mj-lt"/>
+        <a:ea typeface="+mj-ea"/>
+        <a:cs typeface="+mj-cs"/>
         <a:sym typeface="Calibri"/>
       </a:defRPr>
     </a:lvl3pPr>
@@ -178,9 +178,9 @@
         </a:solidFill>
         <a:effectLst/>
         <a:uFillTx/>
-        <a:latin typeface="+mn-lt"/>
-        <a:ea typeface="+mn-ea"/>
-        <a:cs typeface="+mn-cs"/>
+        <a:latin typeface="+mj-lt"/>
+        <a:ea typeface="+mj-ea"/>
+        <a:cs typeface="+mj-cs"/>
         <a:sym typeface="Calibri"/>
       </a:defRPr>
     </a:lvl4pPr>
@@ -208,9 +208,9 @@
         </a:solidFill>
         <a:effectLst/>
         <a:uFillTx/>
-        <a:latin typeface="+mn-lt"/>
-        <a:ea typeface="+mn-ea"/>
-        <a:cs typeface="+mn-cs"/>
+        <a:latin typeface="+mj-lt"/>
+        <a:ea typeface="+mj-ea"/>
+        <a:cs typeface="+mj-cs"/>
         <a:sym typeface="Calibri"/>
       </a:defRPr>
     </a:lvl5pPr>
@@ -238,9 +238,9 @@
         </a:solidFill>
         <a:effectLst/>
         <a:uFillTx/>
-        <a:latin typeface="+mn-lt"/>
-        <a:ea typeface="+mn-ea"/>
-        <a:cs typeface="+mn-cs"/>
+        <a:latin typeface="+mj-lt"/>
+        <a:ea typeface="+mj-ea"/>
+        <a:cs typeface="+mj-cs"/>
         <a:sym typeface="Calibri"/>
       </a:defRPr>
     </a:lvl6pPr>
@@ -268,9 +268,9 @@
         </a:solidFill>
         <a:effectLst/>
         <a:uFillTx/>
-        <a:latin typeface="+mn-lt"/>
-        <a:ea typeface="+mn-ea"/>
-        <a:cs typeface="+mn-cs"/>
+        <a:latin typeface="+mj-lt"/>
+        <a:ea typeface="+mj-ea"/>
+        <a:cs typeface="+mj-cs"/>
         <a:sym typeface="Calibri"/>
       </a:defRPr>
     </a:lvl7pPr>
@@ -298,9 +298,9 @@
         </a:solidFill>
         <a:effectLst/>
         <a:uFillTx/>
-        <a:latin typeface="+mn-lt"/>
-        <a:ea typeface="+mn-ea"/>
-        <a:cs typeface="+mn-cs"/>
+        <a:latin typeface="+mj-lt"/>
+        <a:ea typeface="+mj-ea"/>
+        <a:cs typeface="+mj-cs"/>
         <a:sym typeface="Calibri"/>
       </a:defRPr>
     </a:lvl8pPr>
@@ -328,9 +328,9 @@
         </a:solidFill>
         <a:effectLst/>
         <a:uFillTx/>
-        <a:latin typeface="+mn-lt"/>
-        <a:ea typeface="+mn-ea"/>
-        <a:cs typeface="+mn-cs"/>
+        <a:latin typeface="+mj-lt"/>
+        <a:ea typeface="+mj-ea"/>
+        <a:cs typeface="+mj-cs"/>
         <a:sym typeface="Calibri"/>
       </a:defRPr>
     </a:lvl9pPr>
@@ -377,10 +377,10 @@
         <c:manualLayout>
           <c:xMode val="edge"/>
           <c:yMode val="edge"/>
-          <c:x val="0.240327"/>
+          <c:x val="0.239022"/>
           <c:y val="0"/>
-          <c:w val="0.519347"/>
-          <c:h val="0.0768233"/>
+          <c:w val="0.521956"/>
+          <c:h val="0.0777957"/>
         </c:manualLayout>
       </c:layout>
       <c:overlay val="1"/>
@@ -396,10 +396,10 @@
           <c:layoutTarget val="inner"/>
           <c:xMode val="edge"/>
           <c:yMode val="edge"/>
-          <c:x val="0.0846928"/>
-          <c:y val="0.0768233"/>
-          <c:w val="0.910307"/>
-          <c:h val="0.743867"/>
+          <c:x val="0.0851184"/>
+          <c:y val="0.0777957"/>
+          <c:w val="0.909882"/>
+          <c:h val="0.740783"/>
         </c:manualLayout>
       </c:layout>
       <c:barChart>
@@ -827,10 +827,10 @@
         <c:manualLayout>
           <c:xMode val="edge"/>
           <c:yMode val="edge"/>
-          <c:x val="0.326116"/>
-          <c:y val="0.958556"/>
-          <c:w val="0.347896"/>
-          <c:h val="0.0414444"/>
+          <c:x val="0.318092"/>
+          <c:y val="0.958189"/>
+          <c:w val="0.368969"/>
+          <c:h val="0.0418107"/>
         </c:manualLayout>
       </c:layout>
       <c:overlay val="1"/>
@@ -908,10 +908,10 @@
         <c:manualLayout>
           <c:xMode val="edge"/>
           <c:yMode val="edge"/>
-          <c:x val="0.226495"/>
+          <c:x val="0.225827"/>
           <c:y val="0"/>
-          <c:w val="0.547009"/>
-          <c:h val="0.0877791"/>
+          <c:w val="0.548347"/>
+          <c:h val="0.0888902"/>
         </c:manualLayout>
       </c:layout>
       <c:overlay val="1"/>
@@ -927,10 +927,10 @@
           <c:layoutTarget val="inner"/>
           <c:xMode val="edge"/>
           <c:yMode val="edge"/>
-          <c:x val="0.096498"/>
-          <c:y val="0.0877791"/>
-          <c:w val="0.898502"/>
-          <c:h val="0.709122"/>
+          <c:x val="0.096734"/>
+          <c:y val="0.0888902"/>
+          <c:w val="0.898266"/>
+          <c:h val="0.705598"/>
         </c:manualLayout>
       </c:layout>
       <c:lineChart>
@@ -965,7 +965,7 @@
           </c:spPr>
           <c:marker>
             <c:symbol val="circle"/>
-            <c:size val="4"/>
+            <c:size val="3"/>
             <c:spPr>
               <a:solidFill>
                 <a:srgbClr val="156082"/>
@@ -1154,7 +1154,7 @@
           </c:spPr>
           <c:marker>
             <c:symbol val="circle"/>
-            <c:size val="4"/>
+            <c:size val="3"/>
             <c:spPr>
               <a:solidFill>
                 <a:srgbClr val="E97132"/>
@@ -1481,10 +1481,10 @@
         <c:manualLayout>
           <c:xMode val="edge"/>
           <c:yMode val="edge"/>
-          <c:x val="0.328337"/>
-          <c:y val="0.954428"/>
-          <c:w val="0.370462"/>
-          <c:h val="0.0455721"/>
+          <c:x val="0.319634"/>
+          <c:y val="0.954009"/>
+          <c:w val="0.39038"/>
+          <c:h val="0.0459908"/>
         </c:manualLayout>
       </c:layout>
       <c:overlay val="1"/>
@@ -1562,10 +1562,10 @@
         <c:manualLayout>
           <c:xMode val="edge"/>
           <c:yMode val="edge"/>
-          <c:x val="0.148365"/>
+          <c:x val="0.146598"/>
           <c:y val="0"/>
-          <c:w val="0.70327"/>
-          <c:h val="0.112495"/>
+          <c:w val="0.706804"/>
+          <c:h val="0.113919"/>
         </c:manualLayout>
       </c:layout>
       <c:overlay val="1"/>
@@ -1581,10 +1581,10 @@
           <c:layoutTarget val="inner"/>
           <c:xMode val="edge"/>
           <c:yMode val="edge"/>
-          <c:x val="0.0839725"/>
-          <c:y val="0.112495"/>
-          <c:w val="0.911027"/>
-          <c:h val="0.757689"/>
+          <c:x val="0.0843946"/>
+          <c:y val="0.113919"/>
+          <c:w val="0.910605"/>
+          <c:h val="0.75478"/>
         </c:manualLayout>
       </c:layout>
       <c:barChart>
@@ -1921,10 +1921,10 @@
         <c:manualLayout>
           <c:xMode val="edge"/>
           <c:yMode val="edge"/>
-          <c:x val="0.0742563"/>
+          <c:x val="0.072117"/>
           <c:y val="0"/>
-          <c:w val="0.851487"/>
-          <c:h val="0.187093"/>
+          <c:w val="0.855766"/>
+          <c:h val="0.189461"/>
         </c:manualLayout>
       </c:layout>
       <c:overlay val="1"/>
@@ -1940,10 +1940,10 @@
           <c:layoutTarget val="inner"/>
           <c:xMode val="edge"/>
           <c:yMode val="edge"/>
-          <c:x val="0.151965"/>
-          <c:y val="0.187093"/>
-          <c:w val="0.843035"/>
-          <c:h val="0.692866"/>
+          <c:x val="0.152729"/>
+          <c:y val="0.189461"/>
+          <c:w val="0.842271"/>
+          <c:h val="0.689137"/>
         </c:manualLayout>
       </c:layout>
       <c:barChart>
@@ -2276,73 +2276,73 @@
   <p:notesStyle>
     <a:lvl1pPr latinLnBrk="0">
       <a:defRPr sz="1200">
-        <a:latin typeface="+mn-lt"/>
-        <a:ea typeface="+mn-ea"/>
-        <a:cs typeface="+mn-cs"/>
+        <a:latin typeface="+mj-lt"/>
+        <a:ea typeface="+mj-ea"/>
+        <a:cs typeface="+mj-cs"/>
         <a:sym typeface="Calibri"/>
       </a:defRPr>
     </a:lvl1pPr>
     <a:lvl2pPr indent="228600" latinLnBrk="0">
       <a:defRPr sz="1200">
-        <a:latin typeface="+mn-lt"/>
-        <a:ea typeface="+mn-ea"/>
-        <a:cs typeface="+mn-cs"/>
+        <a:latin typeface="+mj-lt"/>
+        <a:ea typeface="+mj-ea"/>
+        <a:cs typeface="+mj-cs"/>
         <a:sym typeface="Calibri"/>
       </a:defRPr>
     </a:lvl2pPr>
     <a:lvl3pPr indent="457200" latinLnBrk="0">
       <a:defRPr sz="1200">
-        <a:latin typeface="+mn-lt"/>
-        <a:ea typeface="+mn-ea"/>
-        <a:cs typeface="+mn-cs"/>
+        <a:latin typeface="+mj-lt"/>
+        <a:ea typeface="+mj-ea"/>
+        <a:cs typeface="+mj-cs"/>
         <a:sym typeface="Calibri"/>
       </a:defRPr>
     </a:lvl3pPr>
     <a:lvl4pPr indent="685800" latinLnBrk="0">
       <a:defRPr sz="1200">
-        <a:latin typeface="+mn-lt"/>
-        <a:ea typeface="+mn-ea"/>
-        <a:cs typeface="+mn-cs"/>
+        <a:latin typeface="+mj-lt"/>
+        <a:ea typeface="+mj-ea"/>
+        <a:cs typeface="+mj-cs"/>
         <a:sym typeface="Calibri"/>
       </a:defRPr>
     </a:lvl4pPr>
     <a:lvl5pPr indent="914400" latinLnBrk="0">
       <a:defRPr sz="1200">
-        <a:latin typeface="+mn-lt"/>
-        <a:ea typeface="+mn-ea"/>
-        <a:cs typeface="+mn-cs"/>
+        <a:latin typeface="+mj-lt"/>
+        <a:ea typeface="+mj-ea"/>
+        <a:cs typeface="+mj-cs"/>
         <a:sym typeface="Calibri"/>
       </a:defRPr>
     </a:lvl5pPr>
     <a:lvl6pPr indent="1143000" latinLnBrk="0">
       <a:defRPr sz="1200">
-        <a:latin typeface="+mn-lt"/>
-        <a:ea typeface="+mn-ea"/>
-        <a:cs typeface="+mn-cs"/>
+        <a:latin typeface="+mj-lt"/>
+        <a:ea typeface="+mj-ea"/>
+        <a:cs typeface="+mj-cs"/>
         <a:sym typeface="Calibri"/>
       </a:defRPr>
     </a:lvl6pPr>
     <a:lvl7pPr indent="1371600" latinLnBrk="0">
       <a:defRPr sz="1200">
-        <a:latin typeface="+mn-lt"/>
-        <a:ea typeface="+mn-ea"/>
-        <a:cs typeface="+mn-cs"/>
+        <a:latin typeface="+mj-lt"/>
+        <a:ea typeface="+mj-ea"/>
+        <a:cs typeface="+mj-cs"/>
         <a:sym typeface="Calibri"/>
       </a:defRPr>
     </a:lvl7pPr>
     <a:lvl8pPr indent="1600200" latinLnBrk="0">
       <a:defRPr sz="1200">
-        <a:latin typeface="+mn-lt"/>
-        <a:ea typeface="+mn-ea"/>
-        <a:cs typeface="+mn-cs"/>
+        <a:latin typeface="+mj-lt"/>
+        <a:ea typeface="+mj-ea"/>
+        <a:cs typeface="+mj-cs"/>
         <a:sym typeface="Calibri"/>
       </a:defRPr>
     </a:lvl8pPr>
     <a:lvl9pPr indent="1828800" latinLnBrk="0">
       <a:defRPr sz="1200">
-        <a:latin typeface="+mn-lt"/>
-        <a:ea typeface="+mn-ea"/>
-        <a:cs typeface="+mn-cs"/>
+        <a:latin typeface="+mj-lt"/>
+        <a:ea typeface="+mj-ea"/>
+        <a:cs typeface="+mj-cs"/>
         <a:sym typeface="Calibri"/>
       </a:defRPr>
     </a:lvl9pPr>
@@ -2429,8 +2429,8 @@
         </p:blipFill>
         <p:spPr>
           <a:xfrm>
-            <a:off x="-13" y="0"/>
-            <a:ext cx="8265013" cy="5320146"/>
+            <a:off x="-14" y="0"/>
+            <a:ext cx="8265015" cy="5320146"/>
           </a:xfrm>
           <a:prstGeom prst="rect">
             <a:avLst/>
@@ -2554,7 +2554,7 @@
         <p:spPr>
           <a:xfrm>
             <a:off x="6091513" y="4172989"/>
-            <a:ext cx="5057105" cy="2519375"/>
+            <a:ext cx="5057105" cy="2519376"/>
           </a:xfrm>
           <a:prstGeom prst="rect">
             <a:avLst/>
@@ -2898,7 +2898,7 @@
         <p:spPr>
           <a:xfrm>
             <a:off x="6126162" y="4172989"/>
-            <a:ext cx="4806001" cy="2389749"/>
+            <a:ext cx="4806001" cy="2389750"/>
           </a:xfrm>
           <a:prstGeom prst="rect">
             <a:avLst/>
@@ -3297,7 +3297,7 @@
         <p:spPr>
           <a:xfrm>
             <a:off x="6126162" y="4172989"/>
-            <a:ext cx="4806001" cy="2389748"/>
+            <a:ext cx="4806001" cy="2389749"/>
           </a:xfrm>
           <a:prstGeom prst="rect">
             <a:avLst/>
@@ -3937,7 +3937,7 @@
         <p:spPr>
           <a:xfrm flipH="1">
             <a:off x="-26836" y="5950036"/>
-            <a:ext cx="2513536" cy="914413"/>
+            <a:ext cx="2513536" cy="914414"/>
           </a:xfrm>
           <a:prstGeom prst="rect">
             <a:avLst/>
@@ -3967,7 +3967,7 @@
         <p:spPr>
           <a:xfrm rot="5400000">
             <a:off x="9553763" y="-952311"/>
-            <a:ext cx="1685940" cy="3590550"/>
+            <a:ext cx="1685941" cy="3590550"/>
           </a:xfrm>
           <a:prstGeom prst="rect">
             <a:avLst/>
@@ -4421,7 +4421,7 @@
         <p:spPr>
           <a:xfrm rot="10800000">
             <a:off x="10506071" y="3984078"/>
-            <a:ext cx="1685940" cy="2873926"/>
+            <a:ext cx="1685941" cy="2873926"/>
           </a:xfrm>
           <a:prstGeom prst="rect">
             <a:avLst/>
@@ -4450,8 +4450,8 @@
         </p:blipFill>
         <p:spPr>
           <a:xfrm flipH="1" rot="16200000">
-            <a:off x="9781526" y="-311518"/>
-            <a:ext cx="2098976" cy="2721997"/>
+            <a:off x="9781526" y="-311519"/>
+            <a:ext cx="2098977" cy="2721999"/>
           </a:xfrm>
           <a:prstGeom prst="rect">
             <a:avLst/>
@@ -4726,7 +4726,7 @@
         <p:spPr>
           <a:xfrm rot="5400000">
             <a:off x="9553763" y="-952311"/>
-            <a:ext cx="1685940" cy="3590550"/>
+            <a:ext cx="1685941" cy="3590550"/>
           </a:xfrm>
           <a:prstGeom prst="rect">
             <a:avLst/>
@@ -5635,7 +5635,7 @@
         <p:spPr>
           <a:xfrm>
             <a:off x="6095998" y="2773681"/>
-            <a:ext cx="5674367" cy="3200412"/>
+            <a:ext cx="5674367" cy="3200413"/>
           </a:xfrm>
           <a:prstGeom prst="rect">
             <a:avLst/>
@@ -5646,9 +5646,9 @@
           <a:lstStyle>
             <a:lvl1pPr>
               <a:defRPr>
-                <a:latin typeface="+mn-lt"/>
-                <a:ea typeface="+mn-ea"/>
-                <a:cs typeface="+mn-cs"/>
+                <a:latin typeface="+mj-lt"/>
+                <a:ea typeface="+mj-ea"/>
+                <a:cs typeface="+mj-cs"/>
                 <a:sym typeface="Calibri"/>
               </a:defRPr>
             </a:lvl1pPr>
@@ -5689,7 +5689,7 @@
       </p:grpSpPr>
       <p:sp>
         <p:nvSpPr>
-          <p:cNvPr id="320" name="Title 1"/>
+          <p:cNvPr id="321" name="Title 1"/>
           <p:cNvSpPr txBox="1"/>
           <p:nvPr>
             <p:ph type="title"/>
@@ -5717,7 +5717,7 @@
       </p:sp>
       <p:sp>
         <p:nvSpPr>
-          <p:cNvPr id="321" name="Text Placeholder 2"/>
+          <p:cNvPr id="322" name="Text Placeholder 2"/>
           <p:cNvSpPr txBox="1"/>
           <p:nvPr>
             <p:ph type="body" idx="1"/>
@@ -5725,8 +5725,8 @@
         </p:nvSpPr>
         <p:spPr>
           <a:xfrm>
-            <a:off x="222701" y="1158582"/>
-            <a:ext cx="10701974" cy="5585119"/>
+            <a:off x="222701" y="1158581"/>
+            <a:ext cx="10701974" cy="5585121"/>
           </a:xfrm>
           <a:prstGeom prst="rect">
             <a:avLst/>
@@ -6120,14 +6120,14 @@
       </p:sp>
       <p:sp>
         <p:nvSpPr>
-          <p:cNvPr id="322" name="TextBox 9"/>
+          <p:cNvPr id="323" name="TextBox 9"/>
           <p:cNvSpPr txBox="1"/>
           <p:nvPr/>
         </p:nvSpPr>
         <p:spPr>
           <a:xfrm>
-            <a:off x="7131049" y="1158583"/>
-            <a:ext cx="3793626" cy="1513837"/>
+            <a:off x="7131049" y="1158582"/>
+            <a:ext cx="3793627" cy="1513837"/>
           </a:xfrm>
           <a:prstGeom prst="rect">
             <a:avLst/>
@@ -6162,61 +6162,56 @@
               <a:t>Two heuristics used in combination:</a:t>
             </a:r>
             <a:endParaRPr>
-              <a:latin typeface="+mn-lt"/>
-              <a:ea typeface="+mn-ea"/>
-              <a:cs typeface="+mn-cs"/>
+              <a:latin typeface="+mj-lt"/>
+              <a:ea typeface="+mj-ea"/>
+              <a:cs typeface="+mj-cs"/>
               <a:sym typeface="Calibri"/>
             </a:endParaRPr>
           </a:p>
           <a:p>
             <a:pPr>
-              <a:defRPr>
+              <a:defRPr b="1"/>
+            </a:pPr>
+            <a:br/>
+            <a:r>
+              <a:rPr b="0">
                 <a:latin typeface="Tenorite"/>
                 <a:ea typeface="Tenorite"/>
                 <a:cs typeface="Tenorite"/>
                 <a:sym typeface="Tenorite"/>
-              </a:defRPr>
-            </a:pPr>
+              </a:rPr>
+              <a:t>1. Nearest Neighbor (Greedy)</a:t>
+            </a:r>
             <a:br>
-              <a:rPr b="1">
-                <a:latin typeface="+mn-lt"/>
-                <a:ea typeface="+mn-ea"/>
-                <a:cs typeface="+mn-cs"/>
-                <a:sym typeface="Calibri"/>
+              <a:rPr b="0">
+                <a:latin typeface="Tenorite"/>
+                <a:ea typeface="Tenorite"/>
+                <a:cs typeface="Tenorite"/>
+                <a:sym typeface="Tenorite"/>
               </a:rPr>
             </a:br>
             <a:r>
-              <a:t>1. Nearest Neighbor (Greedy)</a:t>
-            </a:r>
-            <a:br/>
-            <a:r>
-              <a:t>2. Two-Opt (</a:t>
-            </a:r>
-            <a:r>
-              <a:t>L</a:t>
-            </a:r>
-            <a:r>
-              <a:t>ocal optim</a:t>
-            </a:r>
-            <a:r>
-              <a:t>al</a:t>
-            </a:r>
-            <a:r>
-              <a:t> swap)</a:t>
+              <a:rPr b="0">
+                <a:latin typeface="Tenorite"/>
+                <a:ea typeface="Tenorite"/>
+                <a:cs typeface="Tenorite"/>
+                <a:sym typeface="Tenorite"/>
+              </a:rPr>
+              <a:t>2. Two-Opt (Local optimal swap)</a:t>
             </a:r>
           </a:p>
         </p:txBody>
       </p:sp>
       <p:sp>
         <p:nvSpPr>
-          <p:cNvPr id="323" name="TextBox 1"/>
+          <p:cNvPr id="324" name="TextBox 1"/>
           <p:cNvSpPr txBox="1"/>
           <p:nvPr/>
         </p:nvSpPr>
         <p:spPr>
           <a:xfrm>
             <a:off x="8050044" y="3628506"/>
-            <a:ext cx="3316457" cy="2243232"/>
+            <a:ext cx="3316457" cy="2243231"/>
           </a:xfrm>
           <a:prstGeom prst="rect">
             <a:avLst/>
@@ -6311,19 +6306,13 @@
             </a:r>
             <a:r>
               <a:rPr>
-                <a:latin typeface="+mn-lt"/>
-                <a:ea typeface="+mn-ea"/>
-                <a:cs typeface="+mn-cs"/>
+                <a:latin typeface="+mj-lt"/>
+                <a:ea typeface="+mj-ea"/>
+                <a:cs typeface="+mj-cs"/>
                 <a:sym typeface="Calibri"/>
               </a:rPr>
               <a:t>O(n²) (Nearest Neighbor)</a:t>
             </a:r>
-            <a:endParaRPr>
-              <a:latin typeface="+mn-lt"/>
-              <a:ea typeface="+mn-ea"/>
-              <a:cs typeface="+mn-cs"/>
-              <a:sym typeface="Calibri"/>
-            </a:endParaRPr>
           </a:p>
           <a:p>
             <a:pPr>
@@ -6407,7 +6396,7 @@
       </p:grpSpPr>
       <p:sp>
         <p:nvSpPr>
-          <p:cNvPr id="325" name="Title 1"/>
+          <p:cNvPr id="326" name="Title 1"/>
           <p:cNvSpPr txBox="1"/>
           <p:nvPr>
             <p:ph type="title"/>
@@ -6435,7 +6424,7 @@
       </p:sp>
       <p:sp>
         <p:nvSpPr>
-          <p:cNvPr id="326" name="Text Placeholder 2"/>
+          <p:cNvPr id="327" name="Text Placeholder 2"/>
           <p:cNvSpPr txBox="1"/>
           <p:nvPr>
             <p:ph type="body" sz="half" idx="1"/>
@@ -6443,8 +6432,8 @@
         </p:nvSpPr>
         <p:spPr>
           <a:xfrm>
-            <a:off x="361948" y="1619248"/>
-            <a:ext cx="5645153" cy="4984753"/>
+            <a:off x="361947" y="1619247"/>
+            <a:ext cx="5645155" cy="4984755"/>
           </a:xfrm>
           <a:prstGeom prst="rect">
             <a:avLst/>
@@ -6867,7 +6856,7 @@
       </p:sp>
       <p:sp>
         <p:nvSpPr>
-          <p:cNvPr id="327" name="TextBox 3"/>
+          <p:cNvPr id="328" name="TextBox 3"/>
           <p:cNvSpPr txBox="1"/>
           <p:nvPr/>
         </p:nvSpPr>
@@ -6912,14 +6901,14 @@
       </p:sp>
       <p:sp>
         <p:nvSpPr>
-          <p:cNvPr id="328" name="TextBox 5"/>
+          <p:cNvPr id="329" name="TextBox 5"/>
           <p:cNvSpPr txBox="1"/>
           <p:nvPr/>
         </p:nvSpPr>
         <p:spPr>
           <a:xfrm>
             <a:off x="5692876" y="701775"/>
-            <a:ext cx="6002555" cy="929641"/>
+            <a:ext cx="6002556" cy="929639"/>
           </a:xfrm>
           <a:prstGeom prst="rect">
             <a:avLst/>
@@ -6934,7 +6923,7 @@
           </a:extLst>
         </p:spPr>
         <p:txBody>
-          <a:bodyPr lIns="45719" rIns="45719">
+          <a:bodyPr lIns="45718" tIns="45718" rIns="45718" bIns="45718">
             <a:spAutoFit/>
           </a:bodyPr>
           <a:lstStyle/>
@@ -6970,14 +6959,14 @@
       </p:sp>
       <p:sp>
         <p:nvSpPr>
-          <p:cNvPr id="329" name="TextBox 6"/>
+          <p:cNvPr id="330" name="TextBox 6"/>
           <p:cNvSpPr txBox="1"/>
           <p:nvPr/>
         </p:nvSpPr>
         <p:spPr>
           <a:xfrm>
-            <a:off x="5894069" y="1738853"/>
-            <a:ext cx="5452112" cy="370841"/>
+            <a:off x="5894068" y="1738853"/>
+            <a:ext cx="5452113" cy="370839"/>
           </a:xfrm>
           <a:prstGeom prst="rect">
             <a:avLst/>
@@ -6992,7 +6981,7 @@
           </a:extLst>
         </p:spPr>
         <p:txBody>
-          <a:bodyPr lIns="45719" rIns="45719">
+          <a:bodyPr lIns="45718" tIns="45718" rIns="45718" bIns="45718">
             <a:spAutoFit/>
           </a:bodyPr>
           <a:lstStyle>
@@ -7015,14 +7004,14 @@
       </p:sp>
       <p:sp>
         <p:nvSpPr>
-          <p:cNvPr id="330" name="TextBox 3"/>
+          <p:cNvPr id="331" name="TextBox 3"/>
           <p:cNvSpPr txBox="1"/>
           <p:nvPr/>
         </p:nvSpPr>
         <p:spPr>
           <a:xfrm>
-            <a:off x="6539496" y="4777085"/>
-            <a:ext cx="3377935" cy="1767841"/>
+            <a:off x="6539496" y="4777086"/>
+            <a:ext cx="3377936" cy="1767839"/>
           </a:xfrm>
           <a:prstGeom prst="rect">
             <a:avLst/>
@@ -7037,7 +7026,7 @@
           </a:extLst>
         </p:spPr>
         <p:txBody>
-          <a:bodyPr lIns="45719" rIns="45719">
+          <a:bodyPr lIns="45718" tIns="45718" rIns="45718" bIns="45718">
             <a:spAutoFit/>
           </a:bodyPr>
           <a:lstStyle/>
@@ -7117,7 +7106,7 @@
       </p:sp>
       <p:pic>
         <p:nvPicPr>
-          <p:cNvPr id="331" name="Picture 4" descr="Picture 4"/>
+          <p:cNvPr id="332" name="Picture 4" descr="Picture 4"/>
           <p:cNvPicPr>
             <a:picLocks noChangeAspect="1"/>
           </p:cNvPicPr>
@@ -7135,7 +7124,7 @@
         <p:spPr>
           <a:xfrm>
             <a:off x="6794499" y="2280194"/>
-            <a:ext cx="2397965" cy="2469621"/>
+            <a:ext cx="2397966" cy="2469621"/>
           </a:xfrm>
           <a:prstGeom prst="rect">
             <a:avLst/>
@@ -7173,7 +7162,7 @@
       </p:grpSpPr>
       <p:sp>
         <p:nvSpPr>
-          <p:cNvPr id="333" name="Title 1"/>
+          <p:cNvPr id="334" name="Title 1"/>
           <p:cNvSpPr txBox="1"/>
           <p:nvPr>
             <p:ph type="title"/>
@@ -7201,7 +7190,7 @@
       </p:sp>
       <p:sp>
         <p:nvSpPr>
-          <p:cNvPr id="334" name="Text Placeholder 2"/>
+          <p:cNvPr id="335" name="Text Placeholder 2"/>
           <p:cNvSpPr txBox="1"/>
           <p:nvPr>
             <p:ph type="body" sz="half" idx="1"/>
@@ -7209,8 +7198,8 @@
         </p:nvSpPr>
         <p:spPr>
           <a:xfrm>
-            <a:off x="127000" y="1492887"/>
-            <a:ext cx="6065840" cy="5238753"/>
+            <a:off x="126999" y="1492886"/>
+            <a:ext cx="6065842" cy="5238755"/>
           </a:xfrm>
           <a:prstGeom prst="rect">
             <a:avLst/>
@@ -7850,7 +7839,7 @@
       </p:sp>
       <p:sp>
         <p:nvSpPr>
-          <p:cNvPr id="335" name="TextBox 3"/>
+          <p:cNvPr id="336" name="TextBox 3"/>
           <p:cNvSpPr txBox="1"/>
           <p:nvPr/>
         </p:nvSpPr>
@@ -7858,6 +7847,51 @@
           <a:xfrm>
             <a:off x="450850" y="990599"/>
             <a:ext cx="5397500" cy="459737"/>
+          </a:xfrm>
+          <a:prstGeom prst="rect">
+            <a:avLst/>
+          </a:prstGeom>
+          <a:ln w="12700">
+            <a:miter lim="400000"/>
+          </a:ln>
+          <a:extLst>
+            <a:ext uri="{C572A759-6A51-4108-AA02-DFA0A04FC94B}">
+              <ma14:wrappingTextBoxFlag xmlns:ma14="http://schemas.microsoft.com/office/mac/drawingml/2011/main" val="1"/>
+            </a:ext>
+          </a:extLst>
+        </p:spPr>
+        <p:txBody>
+          <a:bodyPr lIns="45718" tIns="45718" rIns="45718" bIns="45718">
+            <a:spAutoFit/>
+          </a:bodyPr>
+          <a:lstStyle>
+            <a:lvl1pPr>
+              <a:defRPr b="1" sz="2400">
+                <a:latin typeface="Tenorite"/>
+                <a:ea typeface="Tenorite"/>
+                <a:cs typeface="Tenorite"/>
+                <a:sym typeface="Tenorite"/>
+              </a:defRPr>
+            </a:lvl1pPr>
+          </a:lstStyle>
+          <a:p>
+            <a:pPr/>
+            <a:r>
+              <a:t>Heuristic #2: Two-Opt</a:t>
+            </a:r>
+          </a:p>
+        </p:txBody>
+      </p:sp>
+      <p:sp>
+        <p:nvSpPr>
+          <p:cNvPr id="337" name="TextBox 1"/>
+          <p:cNvSpPr txBox="1"/>
+          <p:nvPr/>
+        </p:nvSpPr>
+        <p:spPr>
+          <a:xfrm>
+            <a:off x="5692873" y="701775"/>
+            <a:ext cx="6091457" cy="1209039"/>
           </a:xfrm>
           <a:prstGeom prst="rect">
             <a:avLst/>
@@ -7878,7 +7912,7 @@
           <a:lstStyle/>
           <a:p>
             <a:pPr>
-              <a:defRPr b="1" sz="2400">
+              <a:defRPr>
                 <a:latin typeface="Tenorite"/>
                 <a:ea typeface="Tenorite"/>
                 <a:cs typeface="Tenorite"/>
@@ -7886,27 +7920,43 @@
               </a:defRPr>
             </a:pPr>
             <a:r>
-              <a:t>Heuristic #2: </a:t>
-            </a:r>
-            <a:r>
-              <a:t>Two</a:t>
-            </a:r>
-            <a:r>
-              <a:t>-Opt</a:t>
+              <a:t>The Two-opt heuristic </a:t>
+            </a:r>
+            <a:r>
+              <a:rPr>
+                <a:solidFill>
+                  <a:srgbClr val="2E75B6"/>
+                </a:solidFill>
+              </a:rPr>
+              <a:t>removes edge crossings IF the switch would result in a shorter total tour length</a:t>
+            </a:r>
+            <a:r>
+              <a:t>.</a:t>
+            </a:r>
+            <a:br/>
+            <a:r>
+              <a:t>In TSP, crossed edges </a:t>
+            </a:r>
+            <a:r>
+              <a:rPr i="1"/>
+              <a:t>usually</a:t>
+            </a:r>
+            <a:r>
+              <a:t> means the path is suboptimal.</a:t>
             </a:r>
           </a:p>
         </p:txBody>
       </p:sp>
       <p:sp>
         <p:nvSpPr>
-          <p:cNvPr id="336" name="TextBox 1"/>
+          <p:cNvPr id="338" name="TextBox 2"/>
           <p:cNvSpPr txBox="1"/>
           <p:nvPr/>
         </p:nvSpPr>
         <p:spPr>
           <a:xfrm>
-            <a:off x="5692874" y="701775"/>
-            <a:ext cx="6091456" cy="1209041"/>
+            <a:off x="5894068" y="1738853"/>
+            <a:ext cx="5452113" cy="370839"/>
           </a:xfrm>
           <a:prstGeom prst="rect">
             <a:avLst/>
@@ -7921,72 +7971,7 @@
           </a:extLst>
         </p:spPr>
         <p:txBody>
-          <a:bodyPr lIns="45719" rIns="45719">
-            <a:spAutoFit/>
-          </a:bodyPr>
-          <a:lstStyle/>
-          <a:p>
-            <a:pPr>
-              <a:defRPr>
-                <a:latin typeface="Tenorite"/>
-                <a:ea typeface="Tenorite"/>
-                <a:cs typeface="Tenorite"/>
-                <a:sym typeface="Tenorite"/>
-              </a:defRPr>
-            </a:pPr>
-            <a:r>
-              <a:t>The Two-opt heuristic </a:t>
-            </a:r>
-            <a:r>
-              <a:rPr>
-                <a:solidFill>
-                  <a:srgbClr val="2E75B6"/>
-                </a:solidFill>
-              </a:rPr>
-              <a:t>removes edge crossings IF the switch would result in a shorter total tour length</a:t>
-            </a:r>
-            <a:r>
-              <a:t>.</a:t>
-            </a:r>
-            <a:br/>
-            <a:r>
-              <a:t>In TSP, crossed edges </a:t>
-            </a:r>
-            <a:r>
-              <a:rPr i="1"/>
-              <a:t>usually</a:t>
-            </a:r>
-            <a:r>
-              <a:t> means the path is suboptimal.</a:t>
-            </a:r>
-          </a:p>
-        </p:txBody>
-      </p:sp>
-      <p:sp>
-        <p:nvSpPr>
-          <p:cNvPr id="337" name="TextBox 2"/>
-          <p:cNvSpPr txBox="1"/>
-          <p:nvPr/>
-        </p:nvSpPr>
-        <p:spPr>
-          <a:xfrm>
-            <a:off x="5894069" y="1738853"/>
-            <a:ext cx="5452112" cy="370841"/>
-          </a:xfrm>
-          <a:prstGeom prst="rect">
-            <a:avLst/>
-          </a:prstGeom>
-          <a:ln w="12700">
-            <a:miter lim="400000"/>
-          </a:ln>
-          <a:extLst>
-            <a:ext uri="{C572A759-6A51-4108-AA02-DFA0A04FC94B}">
-              <ma14:wrappingTextBoxFlag xmlns:ma14="http://schemas.microsoft.com/office/mac/drawingml/2011/main" val="1"/>
-            </a:ext>
-          </a:extLst>
-        </p:spPr>
-        <p:txBody>
-          <a:bodyPr lIns="45719" rIns="45719">
+          <a:bodyPr lIns="45718" tIns="45718" rIns="45718" bIns="45718">
             <a:spAutoFit/>
           </a:bodyPr>
           <a:lstStyle>
@@ -8009,7 +7994,7 @@
       </p:sp>
       <p:pic>
         <p:nvPicPr>
-          <p:cNvPr id="338" name="Picture 3" descr="Picture 3"/>
+          <p:cNvPr id="339" name="Picture 3" descr="Picture 3"/>
           <p:cNvPicPr>
             <a:picLocks noChangeAspect="1"/>
           </p:cNvPicPr>
@@ -8026,8 +8011,8 @@
         </p:blipFill>
         <p:spPr>
           <a:xfrm>
-            <a:off x="6375399" y="2239125"/>
-            <a:ext cx="2413002" cy="1581455"/>
+            <a:off x="6375398" y="2239124"/>
+            <a:ext cx="2413003" cy="1581456"/>
           </a:xfrm>
           <a:prstGeom prst="rect">
             <a:avLst/>
@@ -8039,7 +8024,7 @@
       </p:pic>
       <p:pic>
         <p:nvPicPr>
-          <p:cNvPr id="339" name="Picture 4" descr="Picture 4"/>
+          <p:cNvPr id="340" name="Picture 4" descr="Picture 4"/>
           <p:cNvPicPr>
             <a:picLocks noChangeAspect="1"/>
           </p:cNvPicPr>
@@ -8049,7 +8034,7 @@
           <a:blip r:embed="rId2">
             <a:extLst/>
           </a:blip>
-          <a:srcRect l="42235" t="0" r="39959" b="0"/>
+          <a:srcRect l="42235" t="0" r="39958" b="0"/>
           <a:stretch>
             <a:fillRect/>
           </a:stretch>
@@ -8057,7 +8042,7 @@
         <p:spPr>
           <a:xfrm rot="5400000">
             <a:off x="7303795" y="3616045"/>
-            <a:ext cx="897528" cy="1370013"/>
+            <a:ext cx="897529" cy="1370014"/>
           </a:xfrm>
           <a:prstGeom prst="rect">
             <a:avLst/>
@@ -8069,7 +8054,7 @@
       </p:pic>
       <p:pic>
         <p:nvPicPr>
-          <p:cNvPr id="340" name="Picture 5" descr="Picture 5"/>
+          <p:cNvPr id="341" name="Picture 5" descr="Picture 5"/>
           <p:cNvPicPr>
             <a:picLocks noChangeAspect="1"/>
           </p:cNvPicPr>
@@ -8086,8 +8071,8 @@
         </p:blipFill>
         <p:spPr>
           <a:xfrm>
-            <a:off x="6375399" y="4749815"/>
-            <a:ext cx="2244727" cy="1564490"/>
+            <a:off x="6375398" y="4749815"/>
+            <a:ext cx="2244728" cy="1564491"/>
           </a:xfrm>
           <a:prstGeom prst="rect">
             <a:avLst/>
@@ -8125,7 +8110,7 @@
       </p:grpSpPr>
       <p:sp>
         <p:nvSpPr>
-          <p:cNvPr id="342" name="Title 1"/>
+          <p:cNvPr id="343" name="Title 1"/>
           <p:cNvSpPr txBox="1"/>
           <p:nvPr>
             <p:ph type="title"/>
@@ -8134,7 +8119,7 @@
         <p:spPr>
           <a:xfrm>
             <a:off x="50796" y="102258"/>
-            <a:ext cx="10439404" cy="1617020"/>
+            <a:ext cx="10439404" cy="1617021"/>
           </a:xfrm>
           <a:prstGeom prst="rect">
             <a:avLst/>
@@ -8153,7 +8138,7 @@
       </p:sp>
       <p:pic>
         <p:nvPicPr>
-          <p:cNvPr id="343" name="Picture 323" descr="Picture 323"/>
+          <p:cNvPr id="344" name="Picture 323" descr="Picture 323"/>
           <p:cNvPicPr>
             <a:picLocks noChangeAspect="1"/>
           </p:cNvPicPr>
@@ -8209,7 +8194,7 @@
       </p:grpSpPr>
       <p:sp>
         <p:nvSpPr>
-          <p:cNvPr id="345" name="Title 1"/>
+          <p:cNvPr id="346" name="Title 1"/>
           <p:cNvSpPr txBox="1"/>
           <p:nvPr>
             <p:ph type="title"/>
@@ -8218,7 +8203,7 @@
         <p:spPr>
           <a:xfrm>
             <a:off x="228596" y="280058"/>
-            <a:ext cx="10439404" cy="1617020"/>
+            <a:ext cx="10439404" cy="1617021"/>
           </a:xfrm>
           <a:prstGeom prst="rect">
             <a:avLst/>
@@ -8237,14 +8222,14 @@
       </p:sp>
       <p:sp>
         <p:nvSpPr>
-          <p:cNvPr id="346" name="TextBox 4"/>
+          <p:cNvPr id="347" name="TextBox 4"/>
           <p:cNvSpPr txBox="1"/>
           <p:nvPr/>
         </p:nvSpPr>
         <p:spPr>
           <a:xfrm>
-            <a:off x="6321512" y="1605143"/>
-            <a:ext cx="5148073" cy="1488441"/>
+            <a:off x="6321511" y="1605143"/>
+            <a:ext cx="5148074" cy="1488439"/>
           </a:xfrm>
           <a:prstGeom prst="rect">
             <a:avLst/>
@@ -8259,7 +8244,7 @@
           </a:extLst>
         </p:spPr>
         <p:txBody>
-          <a:bodyPr lIns="45719" rIns="45719">
+          <a:bodyPr lIns="45718" tIns="45718" rIns="45718" bIns="45718">
             <a:spAutoFit/>
           </a:bodyPr>
           <a:lstStyle/>
@@ -8280,7 +8265,6 @@
               <a:rPr b="0"/>
               <a:t>A → E (60.0) → F (1.0) → D (1.0) → C (40.0) → B (1.0) → A (1.0).</a:t>
             </a:r>
-            <a:endParaRPr b="0"/>
           </a:p>
           <a:p>
             <a:pPr>
@@ -8298,7 +8282,6 @@
               <a:rPr b="0"/>
               <a:t>A E F D C B A</a:t>
             </a:r>
-            <a:endParaRPr b="0"/>
           </a:p>
           <a:p>
             <a:pPr>
@@ -8321,14 +8304,14 @@
       </p:sp>
       <p:sp>
         <p:nvSpPr>
-          <p:cNvPr id="347" name="TextBox 5"/>
+          <p:cNvPr id="348" name="TextBox 5"/>
           <p:cNvSpPr txBox="1"/>
           <p:nvPr/>
         </p:nvSpPr>
         <p:spPr>
           <a:xfrm>
-            <a:off x="6357216" y="3370107"/>
-            <a:ext cx="5419388" cy="1488441"/>
+            <a:off x="6357216" y="3370108"/>
+            <a:ext cx="5419388" cy="1488439"/>
           </a:xfrm>
           <a:prstGeom prst="rect">
             <a:avLst/>
@@ -8343,7 +8326,7 @@
           </a:extLst>
         </p:spPr>
         <p:txBody>
-          <a:bodyPr lIns="45719" rIns="45719">
+          <a:bodyPr lIns="45718" tIns="45718" rIns="45718" bIns="45718">
             <a:spAutoFit/>
           </a:bodyPr>
           <a:lstStyle/>
@@ -8392,7 +8375,6 @@
               <a:rPr b="0"/>
               <a:t>A B C D E F A</a:t>
             </a:r>
-            <a:endParaRPr b="0"/>
           </a:p>
           <a:p>
             <a:pPr>
@@ -8415,7 +8397,7 @@
       </p:sp>
       <p:pic>
         <p:nvPicPr>
-          <p:cNvPr id="348" name="Picture 323" descr="Picture 323"/>
+          <p:cNvPr id="349" name="Picture 323" descr="Picture 323"/>
           <p:cNvPicPr>
             <a:picLocks noChangeAspect="1"/>
           </p:cNvPicPr>
@@ -8444,14 +8426,14 @@
       </p:pic>
       <p:sp>
         <p:nvSpPr>
-          <p:cNvPr id="349" name="Arrow: Right 2"/>
+          <p:cNvPr id="350" name="Arrow: Right 2"/>
           <p:cNvSpPr/>
           <p:nvPr/>
         </p:nvSpPr>
         <p:spPr>
           <a:xfrm rot="10186203">
             <a:off x="932045" y="5672332"/>
-            <a:ext cx="1758649" cy="140887"/>
+            <a:ext cx="1758650" cy="140888"/>
           </a:xfrm>
           <a:prstGeom prst="rightArrow">
             <a:avLst>
@@ -8478,14 +8460,14 @@
       </p:sp>
       <p:sp>
         <p:nvSpPr>
-          <p:cNvPr id="350" name="Arrow: Right 3"/>
+          <p:cNvPr id="351" name="Arrow: Right 3"/>
           <p:cNvSpPr/>
           <p:nvPr/>
         </p:nvSpPr>
         <p:spPr>
           <a:xfrm rot="11215856">
             <a:off x="2955057" y="5672849"/>
-            <a:ext cx="2411133" cy="131477"/>
+            <a:ext cx="2411134" cy="131478"/>
           </a:xfrm>
           <a:prstGeom prst="rightArrow">
             <a:avLst>
@@ -8512,14 +8494,14 @@
       </p:sp>
       <p:sp>
         <p:nvSpPr>
-          <p:cNvPr id="351" name="Arrow: Right 6"/>
+          <p:cNvPr id="352" name="Arrow: Right 6"/>
           <p:cNvSpPr/>
           <p:nvPr/>
         </p:nvSpPr>
         <p:spPr>
           <a:xfrm rot="5400000">
-            <a:off x="4229299" y="4421113"/>
-            <a:ext cx="2495388" cy="110678"/>
+            <a:off x="4229298" y="4421113"/>
+            <a:ext cx="2495389" cy="110679"/>
           </a:xfrm>
           <a:prstGeom prst="rightArrow">
             <a:avLst>
@@ -8546,14 +8528,14 @@
       </p:sp>
       <p:sp>
         <p:nvSpPr>
-          <p:cNvPr id="352" name="Arrow: Right 7"/>
+          <p:cNvPr id="353" name="Arrow: Right 7"/>
           <p:cNvSpPr/>
           <p:nvPr/>
         </p:nvSpPr>
         <p:spPr>
           <a:xfrm rot="2336117">
-            <a:off x="4303538" y="2518251"/>
-            <a:ext cx="1165643" cy="106424"/>
+            <a:off x="4303538" y="2518250"/>
+            <a:ext cx="1165644" cy="106425"/>
           </a:xfrm>
           <a:prstGeom prst="rightArrow">
             <a:avLst>
@@ -8580,14 +8562,14 @@
       </p:sp>
       <p:sp>
         <p:nvSpPr>
-          <p:cNvPr id="353" name="Arrow: Right 8"/>
+          <p:cNvPr id="354" name="Arrow: Right 8"/>
           <p:cNvSpPr/>
           <p:nvPr/>
         </p:nvSpPr>
         <p:spPr>
           <a:xfrm rot="21431375">
             <a:off x="732038" y="2095774"/>
-            <a:ext cx="3418136" cy="98780"/>
+            <a:ext cx="3418136" cy="98781"/>
           </a:xfrm>
           <a:prstGeom prst="rightArrow">
             <a:avLst>
@@ -8614,14 +8596,14 @@
       </p:sp>
       <p:sp>
         <p:nvSpPr>
-          <p:cNvPr id="354" name="Arrow: Right 9"/>
+          <p:cNvPr id="355" name="Arrow: Right 9"/>
           <p:cNvSpPr/>
           <p:nvPr/>
         </p:nvSpPr>
         <p:spPr>
           <a:xfrm rot="15917001">
             <a:off x="-1010611" y="4059978"/>
-            <a:ext cx="3398827" cy="97588"/>
+            <a:ext cx="3398828" cy="97589"/>
           </a:xfrm>
           <a:prstGeom prst="rightArrow">
             <a:avLst>
@@ -8648,14 +8630,14 @@
       </p:sp>
       <p:sp>
         <p:nvSpPr>
-          <p:cNvPr id="355" name="TextBox 11"/>
+          <p:cNvPr id="356" name="TextBox 11"/>
           <p:cNvSpPr txBox="1"/>
           <p:nvPr/>
         </p:nvSpPr>
         <p:spPr>
           <a:xfrm>
-            <a:off x="6227689" y="5327288"/>
-            <a:ext cx="6016754" cy="819654"/>
+            <a:off x="6227688" y="5327288"/>
+            <a:ext cx="6016755" cy="819653"/>
           </a:xfrm>
           <a:prstGeom prst="rect">
             <a:avLst/>
@@ -8670,7 +8652,7 @@
           </a:extLst>
         </p:spPr>
         <p:txBody>
-          <a:bodyPr lIns="45719" rIns="45719">
+          <a:bodyPr lIns="45718" tIns="45718" rIns="45718" bIns="45718">
             <a:spAutoFit/>
           </a:bodyPr>
           <a:lstStyle>
@@ -8699,14 +8681,14 @@
       </p:sp>
       <p:sp>
         <p:nvSpPr>
-          <p:cNvPr id="356" name="TextBox 13"/>
+          <p:cNvPr id="357" name="TextBox 13"/>
           <p:cNvSpPr txBox="1"/>
           <p:nvPr/>
         </p:nvSpPr>
         <p:spPr>
           <a:xfrm>
-            <a:off x="6213981" y="4991889"/>
-            <a:ext cx="2807209" cy="464055"/>
+            <a:off x="6213981" y="4991890"/>
+            <a:ext cx="2807210" cy="464052"/>
           </a:xfrm>
           <a:prstGeom prst="rect">
             <a:avLst/>
@@ -8721,7 +8703,7 @@
           </a:extLst>
         </p:spPr>
         <p:txBody>
-          <a:bodyPr lIns="45719" rIns="45719">
+          <a:bodyPr lIns="45718" tIns="45718" rIns="45718" bIns="45718">
             <a:spAutoFit/>
           </a:bodyPr>
           <a:lstStyle>
@@ -8747,14 +8729,14 @@
       </p:sp>
       <p:sp>
         <p:nvSpPr>
-          <p:cNvPr id="357" name="TextBox 1"/>
+          <p:cNvPr id="358" name="TextBox 1"/>
           <p:cNvSpPr txBox="1"/>
           <p:nvPr/>
         </p:nvSpPr>
         <p:spPr>
           <a:xfrm>
             <a:off x="3994484" y="6295599"/>
-            <a:ext cx="3128212" cy="333085"/>
+            <a:ext cx="3128213" cy="333084"/>
           </a:xfrm>
           <a:prstGeom prst="rect">
             <a:avLst/>
@@ -8813,7 +8795,7 @@
       </p:grpSpPr>
       <p:sp>
         <p:nvSpPr>
-          <p:cNvPr id="359" name="Title 1"/>
+          <p:cNvPr id="360" name="Title 1"/>
           <p:cNvSpPr txBox="1"/>
           <p:nvPr>
             <p:ph type="title"/>
@@ -8822,7 +8804,7 @@
         <p:spPr>
           <a:xfrm>
             <a:off x="228596" y="280058"/>
-            <a:ext cx="10439404" cy="1617020"/>
+            <a:ext cx="10439404" cy="1617021"/>
           </a:xfrm>
           <a:prstGeom prst="rect">
             <a:avLst/>
@@ -8841,14 +8823,14 @@
       </p:sp>
       <p:sp>
         <p:nvSpPr>
-          <p:cNvPr id="360" name="TextBox 4"/>
+          <p:cNvPr id="361" name="TextBox 4"/>
           <p:cNvSpPr txBox="1"/>
           <p:nvPr/>
         </p:nvSpPr>
         <p:spPr>
           <a:xfrm>
-            <a:off x="6333719" y="2235136"/>
-            <a:ext cx="5148073" cy="1488441"/>
+            <a:off x="6333718" y="2235137"/>
+            <a:ext cx="5148074" cy="1488439"/>
           </a:xfrm>
           <a:prstGeom prst="rect">
             <a:avLst/>
@@ -8863,7 +8845,7 @@
           </a:extLst>
         </p:spPr>
         <p:txBody>
-          <a:bodyPr lIns="45719" rIns="45719">
+          <a:bodyPr lIns="45718" tIns="45718" rIns="45718" bIns="45718">
             <a:spAutoFit/>
           </a:bodyPr>
           <a:lstStyle/>
@@ -8884,7 +8866,6 @@
               <a:rPr b="0"/>
               <a:t>A → E (60.0) → F (1.0) → D (1.0) → C (40.0) → B (1.0) → A (1.0).</a:t>
             </a:r>
-            <a:endParaRPr b="0"/>
           </a:p>
           <a:p>
             <a:pPr>
@@ -8902,7 +8883,6 @@
               <a:rPr b="0"/>
               <a:t>A E F D C B A</a:t>
             </a:r>
-            <a:endParaRPr b="0"/>
           </a:p>
           <a:p>
             <a:pPr>
@@ -8925,14 +8905,14 @@
       </p:sp>
       <p:sp>
         <p:nvSpPr>
-          <p:cNvPr id="361" name="TextBox 5"/>
+          <p:cNvPr id="362" name="TextBox 5"/>
           <p:cNvSpPr txBox="1"/>
           <p:nvPr/>
         </p:nvSpPr>
         <p:spPr>
           <a:xfrm>
-            <a:off x="6333719" y="4050522"/>
-            <a:ext cx="5419389" cy="1488441"/>
+            <a:off x="6333718" y="4050523"/>
+            <a:ext cx="5419390" cy="1488439"/>
           </a:xfrm>
           <a:prstGeom prst="rect">
             <a:avLst/>
@@ -8947,7 +8927,7 @@
           </a:extLst>
         </p:spPr>
         <p:txBody>
-          <a:bodyPr lIns="45719" rIns="45719">
+          <a:bodyPr lIns="45718" tIns="45718" rIns="45718" bIns="45718">
             <a:spAutoFit/>
           </a:bodyPr>
           <a:lstStyle/>
@@ -8993,7 +8973,6 @@
               <a:rPr b="0"/>
               <a:t>a b c d e f a</a:t>
             </a:r>
-            <a:endParaRPr b="0"/>
           </a:p>
           <a:p>
             <a:pPr>
@@ -9016,7 +8995,7 @@
       </p:sp>
       <p:pic>
         <p:nvPicPr>
-          <p:cNvPr id="362" name="Picture 323" descr="Picture 323"/>
+          <p:cNvPr id="363" name="Picture 323" descr="Picture 323"/>
           <p:cNvPicPr>
             <a:picLocks noChangeAspect="1"/>
           </p:cNvPicPr>
@@ -9045,14 +9024,14 @@
       </p:pic>
       <p:sp>
         <p:nvSpPr>
-          <p:cNvPr id="363" name="Arrow: Right 2"/>
+          <p:cNvPr id="364" name="Arrow: Right 2"/>
           <p:cNvSpPr/>
           <p:nvPr/>
         </p:nvSpPr>
         <p:spPr>
           <a:xfrm>
             <a:off x="996696" y="5900184"/>
-            <a:ext cx="4361689" cy="98281"/>
+            <a:ext cx="4361690" cy="98282"/>
           </a:xfrm>
           <a:prstGeom prst="rightArrow">
             <a:avLst>
@@ -9079,14 +9058,14 @@
       </p:sp>
       <p:sp>
         <p:nvSpPr>
-          <p:cNvPr id="364" name="Arrow: Right 3"/>
+          <p:cNvPr id="365" name="Arrow: Right 3"/>
           <p:cNvSpPr/>
           <p:nvPr/>
         </p:nvSpPr>
         <p:spPr>
           <a:xfrm rot="11215856">
             <a:off x="2955057" y="5672849"/>
-            <a:ext cx="2411133" cy="131477"/>
+            <a:ext cx="2411134" cy="131478"/>
           </a:xfrm>
           <a:prstGeom prst="rightArrow">
             <a:avLst>
@@ -9113,14 +9092,14 @@
       </p:sp>
       <p:sp>
         <p:nvSpPr>
-          <p:cNvPr id="365" name="Arrow: Right 6"/>
+          <p:cNvPr id="366" name="Arrow: Right 6"/>
           <p:cNvSpPr/>
           <p:nvPr/>
         </p:nvSpPr>
         <p:spPr>
           <a:xfrm rot="19024860">
-            <a:off x="2520359" y="4265114"/>
-            <a:ext cx="3349185" cy="110678"/>
+            <a:off x="2520358" y="4265114"/>
+            <a:ext cx="3349187" cy="110679"/>
           </a:xfrm>
           <a:prstGeom prst="rightArrow">
             <a:avLst>
@@ -9147,14 +9126,14 @@
       </p:sp>
       <p:sp>
         <p:nvSpPr>
-          <p:cNvPr id="366" name="Arrow: Right 7"/>
+          <p:cNvPr id="367" name="Arrow: Right 7"/>
           <p:cNvSpPr/>
           <p:nvPr/>
         </p:nvSpPr>
         <p:spPr>
           <a:xfrm rot="13217629">
-            <a:off x="4303538" y="2518251"/>
-            <a:ext cx="1165643" cy="106424"/>
+            <a:off x="4303538" y="2518250"/>
+            <a:ext cx="1165644" cy="106425"/>
           </a:xfrm>
           <a:prstGeom prst="rightArrow">
             <a:avLst>
@@ -9181,14 +9160,14 @@
       </p:sp>
       <p:sp>
         <p:nvSpPr>
-          <p:cNvPr id="367" name="Arrow: Right 8"/>
+          <p:cNvPr id="368" name="Arrow: Right 8"/>
           <p:cNvSpPr/>
           <p:nvPr/>
         </p:nvSpPr>
         <p:spPr>
           <a:xfrm rot="10648709">
             <a:off x="732038" y="2095774"/>
-            <a:ext cx="3418136" cy="98780"/>
+            <a:ext cx="3418136" cy="98781"/>
           </a:xfrm>
           <a:prstGeom prst="rightArrow">
             <a:avLst>
@@ -9215,14 +9194,14 @@
       </p:sp>
       <p:sp>
         <p:nvSpPr>
-          <p:cNvPr id="368" name="Arrow: Right 9"/>
+          <p:cNvPr id="369" name="Arrow: Right 9"/>
           <p:cNvSpPr/>
           <p:nvPr/>
         </p:nvSpPr>
         <p:spPr>
           <a:xfrm rot="5097061">
             <a:off x="-1010611" y="4059978"/>
-            <a:ext cx="3398827" cy="97588"/>
+            <a:ext cx="3398828" cy="97589"/>
           </a:xfrm>
           <a:prstGeom prst="rightArrow">
             <a:avLst>
@@ -9275,7 +9254,7 @@
       </p:grpSpPr>
       <p:sp>
         <p:nvSpPr>
-          <p:cNvPr id="370" name="Title 1"/>
+          <p:cNvPr id="371" name="Title 1"/>
           <p:cNvSpPr txBox="1"/>
           <p:nvPr>
             <p:ph type="title"/>
@@ -9284,7 +9263,7 @@
         <p:spPr>
           <a:xfrm>
             <a:off x="1291385" y="-1"/>
-            <a:ext cx="10900616" cy="1603466"/>
+            <a:ext cx="10900617" cy="1603466"/>
           </a:xfrm>
           <a:prstGeom prst="rect">
             <a:avLst/>
@@ -9303,7 +9282,7 @@
       </p:sp>
       <p:sp>
         <p:nvSpPr>
-          <p:cNvPr id="371" name="Text Placeholder 2"/>
+          <p:cNvPr id="372" name="Text Placeholder 2"/>
           <p:cNvSpPr txBox="1"/>
           <p:nvPr>
             <p:ph type="body" sz="quarter" idx="1"/>
@@ -9312,7 +9291,7 @@
         <p:spPr>
           <a:xfrm>
             <a:off x="927100" y="6237489"/>
-            <a:ext cx="8680451" cy="454251"/>
+            <a:ext cx="8680451" cy="454252"/>
           </a:xfrm>
           <a:prstGeom prst="rect">
             <a:avLst/>
@@ -9338,13 +9317,13 @@
       </p:sp>
       <p:graphicFrame>
         <p:nvGraphicFramePr>
-          <p:cNvPr id="372" name="Chart 1"/>
+          <p:cNvPr id="373" name="Chart 1"/>
           <p:cNvGraphicFramePr/>
           <p:nvPr/>
         </p:nvGraphicFramePr>
         <p:xfrm>
-          <a:off x="303955" y="1825411"/>
-          <a:ext cx="6604846" cy="3954956"/>
+          <a:off x="303954" y="1825411"/>
+          <a:ext cx="6571822" cy="3905521"/>
         </p:xfrm>
         <a:graphic xmlns:a="http://schemas.openxmlformats.org/drawingml/2006/main">
           <a:graphicData uri="http://schemas.openxmlformats.org/drawingml/2006/chart">
@@ -9354,13 +9333,13 @@
       </p:graphicFrame>
       <p:graphicFrame>
         <p:nvGraphicFramePr>
-          <p:cNvPr id="373" name="Table 2"/>
+          <p:cNvPr id="374" name="Table 2"/>
           <p:cNvGraphicFramePr/>
           <p:nvPr/>
         </p:nvGraphicFramePr>
         <p:xfrm>
           <a:off x="7378700" y="1203087"/>
-          <a:ext cx="3746501" cy="4702413"/>
+          <a:ext cx="3746502" cy="4702413"/>
         </p:xfrm>
         <a:graphic xmlns:a="http://schemas.openxmlformats.org/drawingml/2006/main">
           <a:graphicData uri="http://schemas.openxmlformats.org/drawingml/2006/table">
@@ -10618,7 +10597,7 @@
       </p:grpSpPr>
       <p:sp>
         <p:nvSpPr>
-          <p:cNvPr id="375" name="Title 1"/>
+          <p:cNvPr id="376" name="Title 1"/>
           <p:cNvSpPr txBox="1"/>
           <p:nvPr>
             <p:ph type="title"/>
@@ -10646,13 +10625,13 @@
       </p:sp>
       <p:graphicFrame>
         <p:nvGraphicFramePr>
-          <p:cNvPr id="376" name="Table 10"/>
+          <p:cNvPr id="377" name="Table 10"/>
           <p:cNvGraphicFramePr/>
           <p:nvPr/>
         </p:nvGraphicFramePr>
         <p:xfrm>
           <a:off x="7279105" y="1612232"/>
-          <a:ext cx="3645570" cy="4211064"/>
+          <a:ext cx="3645571" cy="4211064"/>
         </p:xfrm>
         <a:graphic xmlns:a="http://schemas.openxmlformats.org/drawingml/2006/main">
           <a:graphicData uri="http://schemas.openxmlformats.org/drawingml/2006/table">
@@ -12849,13 +12828,13 @@
       </p:graphicFrame>
       <p:graphicFrame>
         <p:nvGraphicFramePr>
-          <p:cNvPr id="377" name="Chart 2"/>
+          <p:cNvPr id="378" name="Chart 2"/>
           <p:cNvGraphicFramePr/>
           <p:nvPr/>
         </p:nvGraphicFramePr>
         <p:xfrm>
-          <a:off x="249754" y="2056723"/>
-          <a:ext cx="6696181" cy="3461333"/>
+          <a:off x="249753" y="2056722"/>
+          <a:ext cx="6679847" cy="3418068"/>
         </p:xfrm>
         <a:graphic xmlns:a="http://schemas.openxmlformats.org/drawingml/2006/main">
           <a:graphicData uri="http://schemas.openxmlformats.org/drawingml/2006/chart">
@@ -12891,7 +12870,7 @@
       </p:grpSpPr>
       <p:sp>
         <p:nvSpPr>
-          <p:cNvPr id="379" name="Title 1"/>
+          <p:cNvPr id="380" name="Title 1"/>
           <p:cNvSpPr txBox="1"/>
           <p:nvPr>
             <p:ph type="title"/>
@@ -12912,24 +12891,21 @@
           <a:p>
             <a:pPr/>
             <a:r>
-              <a:t>Approximate vs exact solution – </a:t>
-            </a:r>
-            <a:r>
-              <a:t>Time Complexity</a:t>
+              <a:t>Approximate vs exact solution – Time Complexity</a:t>
             </a:r>
           </a:p>
         </p:txBody>
       </p:sp>
       <p:sp>
         <p:nvSpPr>
-          <p:cNvPr id="380" name="TextBox 2"/>
+          <p:cNvPr id="381" name="TextBox 2"/>
           <p:cNvSpPr txBox="1"/>
           <p:nvPr/>
         </p:nvSpPr>
         <p:spPr>
           <a:xfrm>
-            <a:off x="4320940" y="2468895"/>
-            <a:ext cx="6910940" cy="4019487"/>
+            <a:off x="4320940" y="2468896"/>
+            <a:ext cx="6910941" cy="4019484"/>
           </a:xfrm>
           <a:prstGeom prst="rect">
             <a:avLst/>
@@ -12944,7 +12920,7 @@
           </a:extLst>
         </p:spPr>
         <p:txBody>
-          <a:bodyPr lIns="45719" rIns="45719">
+          <a:bodyPr lIns="45718" tIns="45718" rIns="45718" bIns="45718">
             <a:spAutoFit/>
           </a:bodyPr>
           <a:lstStyle/>
@@ -12997,10 +12973,7 @@
               </a:defRPr>
             </a:pPr>
             <a:r>
-              <a:t>Δ</a:t>
-            </a:r>
-            <a:r>
-              <a:t> = Tour length found by our algorithm – Lower Bound</a:t>
+              <a:t>Δ = Tour length found by our algorithm – Lower Bound</a:t>
             </a:r>
           </a:p>
           <a:p>
@@ -13046,9 +13019,9 @@
             </a:r>
             <a:r>
               <a:rPr>
-                <a:latin typeface="+mn-lt"/>
-                <a:ea typeface="+mn-ea"/>
-                <a:cs typeface="+mn-cs"/>
+                <a:latin typeface="+mj-lt"/>
+                <a:ea typeface="+mj-ea"/>
+                <a:cs typeface="+mj-cs"/>
                 <a:sym typeface="Calibri"/>
               </a:rPr>
               <a:t>≈ 2565.36</a:t>
@@ -13129,14 +13102,14 @@
       </p:sp>
       <p:sp>
         <p:nvSpPr>
-          <p:cNvPr id="381" name="TextBox 4"/>
+          <p:cNvPr id="382" name="TextBox 4"/>
           <p:cNvSpPr txBox="1"/>
           <p:nvPr/>
         </p:nvSpPr>
         <p:spPr>
           <a:xfrm>
-            <a:off x="928035" y="1897468"/>
-            <a:ext cx="2495351" cy="459741"/>
+            <a:off x="928035" y="1897469"/>
+            <a:ext cx="2495352" cy="459739"/>
           </a:xfrm>
           <a:prstGeom prst="rect">
             <a:avLst/>
@@ -13151,7 +13124,7 @@
           </a:extLst>
         </p:spPr>
         <p:txBody>
-          <a:bodyPr lIns="45719" rIns="45719">
+          <a:bodyPr lIns="45718" tIns="45718" rIns="45718" bIns="45718">
             <a:spAutoFit/>
           </a:bodyPr>
           <a:lstStyle>
@@ -13174,14 +13147,14 @@
       </p:sp>
       <p:sp>
         <p:nvSpPr>
-          <p:cNvPr id="382" name="TextBox 5"/>
+          <p:cNvPr id="383" name="TextBox 5"/>
           <p:cNvSpPr txBox="1"/>
           <p:nvPr/>
         </p:nvSpPr>
         <p:spPr>
           <a:xfrm>
             <a:off x="6671108" y="1897466"/>
-            <a:ext cx="2495351" cy="459741"/>
+            <a:ext cx="2495352" cy="459739"/>
           </a:xfrm>
           <a:prstGeom prst="rect">
             <a:avLst/>
@@ -13196,7 +13169,7 @@
           </a:extLst>
         </p:spPr>
         <p:txBody>
-          <a:bodyPr lIns="45719" rIns="45719">
+          <a:bodyPr lIns="45718" tIns="45718" rIns="45718" bIns="45718">
             <a:spAutoFit/>
           </a:bodyPr>
           <a:lstStyle>
@@ -13219,14 +13192,14 @@
       </p:sp>
       <p:sp>
         <p:nvSpPr>
-          <p:cNvPr id="383" name="TextBox 9"/>
+          <p:cNvPr id="384" name="TextBox 9"/>
           <p:cNvSpPr txBox="1"/>
           <p:nvPr/>
         </p:nvSpPr>
         <p:spPr>
           <a:xfrm>
-            <a:off x="314426" y="2683653"/>
-            <a:ext cx="3634339" cy="2437046"/>
+            <a:off x="314426" y="2683654"/>
+            <a:ext cx="3634340" cy="2437044"/>
           </a:xfrm>
           <a:prstGeom prst="rect">
             <a:avLst/>
@@ -13241,7 +13214,7 @@
           </a:extLst>
         </p:spPr>
         <p:txBody>
-          <a:bodyPr lIns="45719" rIns="45719">
+          <a:bodyPr lIns="45718" tIns="45718" rIns="45718" bIns="45718">
             <a:spAutoFit/>
           </a:bodyPr>
           <a:lstStyle/>
@@ -13303,17 +13276,17 @@
             </a:r>
             <a:r>
               <a:rPr>
-                <a:latin typeface="+mn-lt"/>
-                <a:ea typeface="+mn-ea"/>
-                <a:cs typeface="+mn-cs"/>
+                <a:latin typeface="+mj-lt"/>
+                <a:ea typeface="+mj-ea"/>
+                <a:cs typeface="+mj-cs"/>
                 <a:sym typeface="Calibri"/>
               </a:rPr>
               <a:t>O(n²) (Nearest Neighbor)</a:t>
             </a:r>
             <a:endParaRPr>
-              <a:latin typeface="+mn-lt"/>
-              <a:ea typeface="+mn-ea"/>
-              <a:cs typeface="+mn-cs"/>
+              <a:latin typeface="+mj-lt"/>
+              <a:ea typeface="+mj-ea"/>
+              <a:cs typeface="+mj-cs"/>
               <a:sym typeface="Calibri"/>
             </a:endParaRPr>
           </a:p>
@@ -13375,7 +13348,7 @@
       </p:grpSpPr>
       <p:sp>
         <p:nvSpPr>
-          <p:cNvPr id="385" name="Title 1"/>
+          <p:cNvPr id="386" name="Title 1"/>
           <p:cNvSpPr txBox="1"/>
           <p:nvPr>
             <p:ph type="title"/>
@@ -13383,8 +13356,8 @@
         </p:nvSpPr>
         <p:spPr>
           <a:xfrm>
-            <a:off x="149329" y="387551"/>
-            <a:ext cx="4896685" cy="3625003"/>
+            <a:off x="149329" y="387550"/>
+            <a:ext cx="4896685" cy="3625005"/>
           </a:xfrm>
           <a:prstGeom prst="rect">
             <a:avLst/>
@@ -13403,7 +13376,7 @@
       </p:sp>
       <p:sp>
         <p:nvSpPr>
-          <p:cNvPr id="386" name="Content Placeholder 2"/>
+          <p:cNvPr id="387" name="Content Placeholder 2"/>
           <p:cNvSpPr txBox="1"/>
           <p:nvPr>
             <p:ph type="body" sz="quarter" idx="1"/>
@@ -13463,10 +13436,10 @@
         </p:nvGrpSpPr>
         <p:grpSpPr>
           <a:xfrm>
-            <a:off x="1191309" y="3073270"/>
-            <a:ext cx="694213" cy="694213"/>
-            <a:chOff x="0" y="0"/>
-            <a:chExt cx="694211" cy="694211"/>
+            <a:off x="1191307" y="3073268"/>
+            <a:ext cx="694215" cy="694215"/>
+            <a:chOff x="-1" y="-1"/>
+            <a:chExt cx="694214" cy="694214"/>
           </a:xfrm>
         </p:grpSpPr>
         <p:sp>
@@ -13477,8 +13450,8 @@
           </p:nvSpPr>
           <p:spPr>
             <a:xfrm>
-              <a:off x="-1" y="-1"/>
-              <a:ext cx="694212" cy="694212"/>
+              <a:off x="-2" y="-2"/>
+              <a:ext cx="694216" cy="694216"/>
             </a:xfrm>
             <a:prstGeom prst="ellipse">
               <a:avLst/>
@@ -13538,7 +13511,7 @@
           <p:spPr>
             <a:xfrm>
               <a:off x="106426" y="208098"/>
-              <a:ext cx="481352" cy="277993"/>
+              <a:ext cx="481354" cy="277993"/>
             </a:xfrm>
             <a:prstGeom prst="rect">
               <a:avLst/>
@@ -13585,10 +13558,10 @@
         </p:nvGrpSpPr>
         <p:grpSpPr>
           <a:xfrm>
-            <a:off x="2605999" y="1605411"/>
-            <a:ext cx="694213" cy="694211"/>
-            <a:chOff x="-1" y="0"/>
-            <a:chExt cx="694211" cy="694210"/>
+            <a:off x="2605998" y="1605410"/>
+            <a:ext cx="694217" cy="694212"/>
+            <a:chOff x="0" y="0"/>
+            <a:chExt cx="694216" cy="694211"/>
           </a:xfrm>
         </p:grpSpPr>
         <p:sp>
@@ -13599,8 +13572,8 @@
           </p:nvSpPr>
           <p:spPr>
             <a:xfrm>
-              <a:off x="-2" y="-1"/>
-              <a:ext cx="694213" cy="694211"/>
+              <a:off x="-1" y="-1"/>
+              <a:ext cx="694217" cy="694212"/>
             </a:xfrm>
             <a:prstGeom prst="ellipse">
               <a:avLst/>
@@ -13659,8 +13632,8 @@
           </p:nvSpPr>
           <p:spPr>
             <a:xfrm>
-              <a:off x="106425" y="208097"/>
-              <a:ext cx="481353" cy="277993"/>
+              <a:off x="106426" y="208097"/>
+              <a:ext cx="481355" cy="277993"/>
             </a:xfrm>
             <a:prstGeom prst="rect">
               <a:avLst/>
@@ -13707,10 +13680,10 @@
         </p:nvGrpSpPr>
         <p:grpSpPr>
           <a:xfrm>
-            <a:off x="4020688" y="3073270"/>
-            <a:ext cx="694211" cy="694213"/>
-            <a:chOff x="0" y="0"/>
-            <a:chExt cx="694210" cy="694211"/>
+            <a:off x="4020686" y="3073268"/>
+            <a:ext cx="694213" cy="694215"/>
+            <a:chOff x="0" y="-1"/>
+            <a:chExt cx="694211" cy="694214"/>
           </a:xfrm>
         </p:grpSpPr>
         <p:sp>
@@ -13721,8 +13694,8 @@
           </p:nvSpPr>
           <p:spPr>
             <a:xfrm>
-              <a:off x="-1" y="-1"/>
-              <a:ext cx="694211" cy="694212"/>
+              <a:off x="-1" y="-2"/>
+              <a:ext cx="694212" cy="694216"/>
             </a:xfrm>
             <a:prstGeom prst="ellipse">
               <a:avLst/>
@@ -13782,7 +13755,7 @@
           <p:spPr>
             <a:xfrm>
               <a:off x="106425" y="208098"/>
-              <a:ext cx="481351" cy="277993"/>
+              <a:ext cx="481352" cy="277993"/>
             </a:xfrm>
             <a:prstGeom prst="rect">
               <a:avLst/>
@@ -13829,10 +13802,10 @@
         </p:nvGrpSpPr>
         <p:grpSpPr>
           <a:xfrm>
-            <a:off x="2605999" y="4541128"/>
-            <a:ext cx="694213" cy="694211"/>
-            <a:chOff x="-1" y="0"/>
-            <a:chExt cx="694211" cy="694210"/>
+            <a:off x="2605998" y="4541126"/>
+            <a:ext cx="694217" cy="694213"/>
+            <a:chOff x="0" y="0"/>
+            <a:chExt cx="694216" cy="694211"/>
           </a:xfrm>
         </p:grpSpPr>
         <p:sp>
@@ -13843,8 +13816,8 @@
           </p:nvSpPr>
           <p:spPr>
             <a:xfrm>
-              <a:off x="-2" y="-1"/>
-              <a:ext cx="694213" cy="694211"/>
+              <a:off x="-1" y="-1"/>
+              <a:ext cx="694217" cy="694212"/>
             </a:xfrm>
             <a:prstGeom prst="ellipse">
               <a:avLst/>
@@ -13903,8 +13876,8 @@
           </p:nvSpPr>
           <p:spPr>
             <a:xfrm>
-              <a:off x="106425" y="208097"/>
-              <a:ext cx="481353" cy="277993"/>
+              <a:off x="106426" y="208097"/>
+              <a:ext cx="481355" cy="277993"/>
             </a:xfrm>
             <a:prstGeom prst="rect">
               <a:avLst/>
@@ -13952,7 +13925,7 @@
         <p:spPr>
           <a:xfrm flipV="1">
             <a:off x="3183420" y="3663086"/>
-            <a:ext cx="942989" cy="967102"/>
+            <a:ext cx="942989" cy="967103"/>
           </a:xfrm>
           <a:prstGeom prst="line">
             <a:avLst/>
@@ -14063,7 +14036,7 @@
         </p:nvSpPr>
         <p:spPr>
           <a:xfrm flipH="1" flipV="1">
-            <a:off x="2968113" y="2299416"/>
+            <a:off x="2968114" y="2299416"/>
             <a:ext cx="109" cy="2237885"/>
           </a:xfrm>
           <a:prstGeom prst="line">
@@ -14092,7 +14065,7 @@
         <p:spPr>
           <a:xfrm flipH="1">
             <a:off x="1889535" y="3406540"/>
-            <a:ext cx="2127140" cy="12"/>
+            <a:ext cx="2127140" cy="13"/>
           </a:xfrm>
           <a:prstGeom prst="line">
             <a:avLst/>
@@ -14263,8 +14236,8 @@
         </p:nvSpPr>
         <p:spPr>
           <a:xfrm>
-            <a:off x="2949132" y="2682563"/>
-            <a:ext cx="625295" cy="333084"/>
+            <a:off x="2949131" y="2682563"/>
+            <a:ext cx="625296" cy="333084"/>
           </a:xfrm>
           <a:prstGeom prst="rect">
             <a:avLst/>
@@ -14589,7 +14562,7 @@
         </p:nvSpPr>
         <p:spPr>
           <a:xfrm>
-            <a:off x="6402719" y="1926693"/>
+            <a:off x="6402718" y="1926693"/>
             <a:ext cx="1085837" cy="402084"/>
           </a:xfrm>
           <a:prstGeom prst="rect">
@@ -14666,9 +14639,9 @@
             </a14:m>
             <a:r>
               <a:rPr sz="1800">
-                <a:latin typeface="+mj-lt"/>
-                <a:ea typeface="+mj-ea"/>
-                <a:cs typeface="+mj-cs"/>
+                <a:latin typeface="+mn-lt"/>
+                <a:ea typeface="+mn-ea"/>
+                <a:cs typeface="+mn-cs"/>
                 <a:sym typeface="Helvetica"/>
               </a:rPr>
               <a:t> ?</a:t>
@@ -14695,8 +14668,8 @@
         </p:blipFill>
         <p:spPr>
           <a:xfrm>
-            <a:off x="6474135" y="3069525"/>
-            <a:ext cx="3829721" cy="2154224"/>
+            <a:off x="6474135" y="3441222"/>
+            <a:ext cx="3829721" cy="2154225"/>
           </a:xfrm>
           <a:prstGeom prst="rect">
             <a:avLst/>
@@ -14739,9 +14712,9 @@
           <a:lstStyle>
             <a:lvl1pPr>
               <a:defRPr b="1">
-                <a:latin typeface="+mj-lt"/>
-                <a:ea typeface="+mj-ea"/>
-                <a:cs typeface="+mj-cs"/>
+                <a:latin typeface="+mn-lt"/>
+                <a:ea typeface="+mn-ea"/>
+                <a:cs typeface="+mn-cs"/>
                 <a:sym typeface="Helvetica"/>
               </a:defRPr>
             </a:lvl1pPr>
@@ -14864,6 +14837,46 @@
           </a:p>
         </p:txBody>
       </p:sp>
+      <p:sp>
+        <p:nvSpPr>
+          <p:cNvPr id="171" name="Applications"/>
+          <p:cNvSpPr txBox="1"/>
+          <p:nvPr/>
+        </p:nvSpPr>
+        <p:spPr>
+          <a:xfrm>
+            <a:off x="7750247" y="3005325"/>
+            <a:ext cx="1277497" cy="333084"/>
+          </a:xfrm>
+          <a:prstGeom prst="rect">
+            <a:avLst/>
+          </a:prstGeom>
+          <a:ln w="12700">
+            <a:miter lim="400000"/>
+          </a:ln>
+          <a:extLst>
+            <a:ext uri="{C572A759-6A51-4108-AA02-DFA0A04FC94B}">
+              <ma14:wrappingTextBoxFlag xmlns:ma14="http://schemas.microsoft.com/office/mac/drawingml/2011/main" val="1"/>
+            </a:ext>
+          </a:extLst>
+        </p:spPr>
+        <p:txBody>
+          <a:bodyPr wrap="none" lIns="45718" tIns="45718" rIns="45718" bIns="45718">
+            <a:spAutoFit/>
+          </a:bodyPr>
+          <a:lstStyle>
+            <a:lvl1pPr>
+              <a:defRPr b="1"/>
+            </a:lvl1pPr>
+          </a:lstStyle>
+          <a:p>
+            <a:pPr/>
+            <a:r>
+              <a:t>Applications</a:t>
+            </a:r>
+          </a:p>
+        </p:txBody>
+      </p:sp>
     </p:spTree>
   </p:cSld>
   <p:clrMapOvr>
@@ -14892,7 +14905,7 @@
       </p:grpSpPr>
       <p:sp>
         <p:nvSpPr>
-          <p:cNvPr id="388" name="Title 1"/>
+          <p:cNvPr id="389" name="Title 1"/>
           <p:cNvSpPr txBox="1"/>
           <p:nvPr>
             <p:ph type="title"/>
@@ -14920,7 +14933,7 @@
       </p:sp>
       <p:sp>
         <p:nvSpPr>
-          <p:cNvPr id="389" name="TextBox 1"/>
+          <p:cNvPr id="390" name="TextBox 1"/>
           <p:cNvSpPr txBox="1"/>
           <p:nvPr/>
         </p:nvSpPr>
@@ -14966,9 +14979,9 @@
               <a:t>limits graph exploration</a:t>
             </a:r>
             <a:endParaRPr>
-              <a:latin typeface="+mj-lt"/>
-              <a:ea typeface="+mj-ea"/>
-              <a:cs typeface="+mj-cs"/>
+              <a:latin typeface="+mn-lt"/>
+              <a:ea typeface="+mn-ea"/>
+              <a:cs typeface="+mn-cs"/>
               <a:sym typeface="Helvetica"/>
             </a:endParaRPr>
           </a:p>
@@ -14995,9 +15008,9 @@
               <a:t>starting node</a:t>
             </a:r>
             <a:endParaRPr>
-              <a:latin typeface="+mj-lt"/>
-              <a:ea typeface="+mj-ea"/>
-              <a:cs typeface="+mj-cs"/>
+              <a:latin typeface="+mn-lt"/>
+              <a:ea typeface="+mn-ea"/>
+              <a:cs typeface="+mn-cs"/>
               <a:sym typeface="Helvetica"/>
             </a:endParaRPr>
           </a:p>
@@ -15051,7 +15064,7 @@
       </p:grpSpPr>
       <p:sp>
         <p:nvSpPr>
-          <p:cNvPr id="391" name="Title 1"/>
+          <p:cNvPr id="392" name="Title 1"/>
           <p:cNvSpPr txBox="1"/>
           <p:nvPr>
             <p:ph type="title"/>
@@ -15079,7 +15092,7 @@
       </p:sp>
       <p:sp>
         <p:nvSpPr>
-          <p:cNvPr id="392" name="Text Placeholder 2"/>
+          <p:cNvPr id="393" name="Text Placeholder 2"/>
           <p:cNvSpPr txBox="1"/>
           <p:nvPr>
             <p:ph type="body" sz="half" idx="1"/>
@@ -15087,8 +15100,8 @@
         </p:nvSpPr>
         <p:spPr>
           <a:xfrm>
-            <a:off x="914395" y="2022248"/>
-            <a:ext cx="6413084" cy="3580756"/>
+            <a:off x="914394" y="2022248"/>
+            <a:ext cx="6413086" cy="3580756"/>
           </a:xfrm>
           <a:prstGeom prst="rect">
             <a:avLst/>
@@ -15231,14 +15244,14 @@
       </p:sp>
       <p:sp>
         <p:nvSpPr>
-          <p:cNvPr id="393" name="Straight Connector 8"/>
+          <p:cNvPr id="394" name="Straight Connector 8"/>
           <p:cNvSpPr/>
           <p:nvPr/>
         </p:nvSpPr>
         <p:spPr>
           <a:xfrm>
             <a:off x="9438568" y="2945717"/>
-            <a:ext cx="1834940" cy="5"/>
+            <a:ext cx="1834940" cy="6"/>
           </a:xfrm>
           <a:prstGeom prst="line">
             <a:avLst/>
@@ -15259,14 +15272,14 @@
       </p:sp>
       <p:sp>
         <p:nvSpPr>
-          <p:cNvPr id="394" name="Straight Connector 9"/>
+          <p:cNvPr id="395" name="Straight Connector 9"/>
           <p:cNvSpPr/>
           <p:nvPr/>
         </p:nvSpPr>
         <p:spPr>
           <a:xfrm>
             <a:off x="7855246" y="2380096"/>
-            <a:ext cx="1834940" cy="5"/>
+            <a:ext cx="1834940" cy="6"/>
           </a:xfrm>
           <a:prstGeom prst="line">
             <a:avLst/>
@@ -15287,14 +15300,14 @@
       </p:sp>
       <p:sp>
         <p:nvSpPr>
-          <p:cNvPr id="395" name="Straight Connector 10"/>
+          <p:cNvPr id="396" name="Straight Connector 10"/>
           <p:cNvSpPr/>
           <p:nvPr/>
         </p:nvSpPr>
         <p:spPr>
           <a:xfrm>
             <a:off x="7805125" y="3592276"/>
-            <a:ext cx="1834940" cy="5"/>
+            <a:ext cx="1834940" cy="6"/>
           </a:xfrm>
           <a:prstGeom prst="line">
             <a:avLst/>
@@ -15315,14 +15328,14 @@
       </p:sp>
       <p:sp>
         <p:nvSpPr>
-          <p:cNvPr id="396" name="Straight Connector 11"/>
+          <p:cNvPr id="397" name="Straight Connector 11"/>
           <p:cNvSpPr/>
           <p:nvPr/>
         </p:nvSpPr>
         <p:spPr>
           <a:xfrm>
             <a:off x="9518863" y="4321545"/>
-            <a:ext cx="1834940" cy="5"/>
+            <a:ext cx="1834940" cy="6"/>
           </a:xfrm>
           <a:prstGeom prst="line">
             <a:avLst/>
@@ -15343,14 +15356,14 @@
       </p:sp>
       <p:sp>
         <p:nvSpPr>
-          <p:cNvPr id="397" name="Straight Connector 12"/>
+          <p:cNvPr id="398" name="Straight Connector 12"/>
           <p:cNvSpPr/>
           <p:nvPr/>
         </p:nvSpPr>
         <p:spPr>
           <a:xfrm>
             <a:off x="7805125" y="4829885"/>
-            <a:ext cx="1834940" cy="5"/>
+            <a:ext cx="1834940" cy="6"/>
           </a:xfrm>
           <a:prstGeom prst="line">
             <a:avLst/>
@@ -15371,7 +15384,7 @@
       </p:sp>
       <p:sp>
         <p:nvSpPr>
-          <p:cNvPr id="398" name="TextBox 14"/>
+          <p:cNvPr id="399" name="TextBox 14"/>
           <p:cNvSpPr txBox="1"/>
           <p:nvPr/>
         </p:nvSpPr>
@@ -15407,7 +15420,7 @@
       </p:sp>
       <p:sp>
         <p:nvSpPr>
-          <p:cNvPr id="399" name="TextBox 15"/>
+          <p:cNvPr id="400" name="TextBox 15"/>
           <p:cNvSpPr txBox="1"/>
           <p:nvPr/>
         </p:nvSpPr>
@@ -15443,14 +15456,14 @@
       </p:sp>
       <p:sp>
         <p:nvSpPr>
-          <p:cNvPr id="400" name="TextBox 16"/>
+          <p:cNvPr id="401" name="TextBox 16"/>
           <p:cNvSpPr txBox="1"/>
           <p:nvPr/>
         </p:nvSpPr>
         <p:spPr>
           <a:xfrm>
             <a:off x="8037306" y="3174737"/>
-            <a:ext cx="1602763" cy="333084"/>
+            <a:ext cx="1602764" cy="333084"/>
           </a:xfrm>
           <a:prstGeom prst="rect">
             <a:avLst/>
@@ -15479,14 +15492,14 @@
       </p:sp>
       <p:sp>
         <p:nvSpPr>
-          <p:cNvPr id="401" name="TextBox 18"/>
+          <p:cNvPr id="402" name="TextBox 18"/>
           <p:cNvSpPr txBox="1"/>
           <p:nvPr/>
         </p:nvSpPr>
         <p:spPr>
           <a:xfrm>
             <a:off x="9603753" y="3935896"/>
-            <a:ext cx="2240492" cy="333084"/>
+            <a:ext cx="2240493" cy="333084"/>
           </a:xfrm>
           <a:prstGeom prst="rect">
             <a:avLst/>
@@ -15515,7 +15528,7 @@
       </p:sp>
       <p:sp>
         <p:nvSpPr>
-          <p:cNvPr id="402" name="TextBox 19"/>
+          <p:cNvPr id="403" name="TextBox 19"/>
           <p:cNvSpPr txBox="1"/>
           <p:nvPr/>
         </p:nvSpPr>
@@ -15551,14 +15564,14 @@
       </p:sp>
       <p:sp>
         <p:nvSpPr>
-          <p:cNvPr id="403" name="TextBox 20"/>
+          <p:cNvPr id="404" name="TextBox 20"/>
           <p:cNvSpPr txBox="1"/>
           <p:nvPr/>
         </p:nvSpPr>
         <p:spPr>
           <a:xfrm>
             <a:off x="8249022" y="4829885"/>
-            <a:ext cx="756385" cy="333084"/>
+            <a:ext cx="756386" cy="333084"/>
           </a:xfrm>
           <a:prstGeom prst="rect">
             <a:avLst/>
@@ -15591,14 +15604,14 @@
       </p:sp>
       <p:sp>
         <p:nvSpPr>
-          <p:cNvPr id="404" name="Straight Arrow Connector 13"/>
+          <p:cNvPr id="405" name="Straight Arrow Connector 13"/>
           <p:cNvSpPr/>
           <p:nvPr/>
         </p:nvSpPr>
         <p:spPr>
           <a:xfrm>
             <a:off x="9549541" y="1669542"/>
-            <a:ext cx="5" cy="3749047"/>
+            <a:ext cx="6" cy="3749047"/>
           </a:xfrm>
           <a:prstGeom prst="line">
             <a:avLst/>
@@ -15646,7 +15659,7 @@
       </p:grpSpPr>
       <p:sp>
         <p:nvSpPr>
-          <p:cNvPr id="406" name="Title 6"/>
+          <p:cNvPr id="407" name="Title 6"/>
           <p:cNvSpPr txBox="1"/>
           <p:nvPr>
             <p:ph type="title"/>
@@ -15674,7 +15687,7 @@
       </p:sp>
       <p:pic>
         <p:nvPicPr>
-          <p:cNvPr id="407" name="Picture 2" descr="Picture 2"/>
+          <p:cNvPr id="408" name="Picture 2" descr="Picture 2"/>
           <p:cNvPicPr>
             <a:picLocks noChangeAspect="1"/>
           </p:cNvPicPr>
@@ -15691,7 +15704,7 @@
         <p:spPr>
           <a:xfrm>
             <a:off x="6965397" y="1552075"/>
-            <a:ext cx="5127961" cy="5127955"/>
+            <a:ext cx="5127962" cy="5127955"/>
           </a:xfrm>
           <a:prstGeom prst="rect">
             <a:avLst/>
@@ -15703,14 +15716,14 @@
       </p:pic>
       <p:sp>
         <p:nvSpPr>
-          <p:cNvPr id="408" name="TextBox 9"/>
+          <p:cNvPr id="409" name="TextBox 9"/>
           <p:cNvSpPr txBox="1"/>
           <p:nvPr/>
         </p:nvSpPr>
         <p:spPr>
           <a:xfrm>
             <a:off x="294573" y="1933123"/>
-            <a:ext cx="6670824" cy="3820157"/>
+            <a:ext cx="6670824" cy="3820156"/>
           </a:xfrm>
           <a:prstGeom prst="rect">
             <a:avLst/>
@@ -15795,9 +15808,9 @@
               <a:t>:</a:t>
             </a:r>
             <a:endParaRPr>
-              <a:latin typeface="+mj-lt"/>
-              <a:ea typeface="+mj-ea"/>
-              <a:cs typeface="+mj-cs"/>
+              <a:latin typeface="+mn-lt"/>
+              <a:ea typeface="+mn-ea"/>
+              <a:cs typeface="+mn-cs"/>
               <a:sym typeface="Helvetica"/>
             </a:endParaRPr>
           </a:p>
@@ -15830,9 +15843,9 @@
               <a:t>bait</a:t>
             </a:r>
             <a:endParaRPr>
-              <a:latin typeface="+mj-lt"/>
-              <a:ea typeface="+mj-ea"/>
-              <a:cs typeface="+mj-cs"/>
+              <a:latin typeface="+mn-lt"/>
+              <a:ea typeface="+mn-ea"/>
+              <a:cs typeface="+mn-cs"/>
               <a:sym typeface="Helvetica"/>
             </a:endParaRPr>
           </a:p>
@@ -15944,7 +15957,7 @@
       </p:grpSpPr>
       <p:sp>
         <p:nvSpPr>
-          <p:cNvPr id="410" name="Title 1"/>
+          <p:cNvPr id="411" name="Title 1"/>
           <p:cNvSpPr txBox="1"/>
           <p:nvPr>
             <p:ph type="title"/>
@@ -15972,13 +15985,13 @@
       </p:sp>
       <p:graphicFrame>
         <p:nvGraphicFramePr>
-          <p:cNvPr id="411" name="Chart 2"/>
+          <p:cNvPr id="412" name="Chart 2"/>
           <p:cNvGraphicFramePr/>
           <p:nvPr/>
         </p:nvGraphicFramePr>
         <p:xfrm>
-          <a:off x="378405" y="1718161"/>
-          <a:ext cx="6504941" cy="3951285"/>
+          <a:off x="378404" y="1718160"/>
+          <a:ext cx="6472414" cy="3901897"/>
         </p:xfrm>
         <a:graphic xmlns:a="http://schemas.openxmlformats.org/drawingml/2006/main">
           <a:graphicData uri="http://schemas.openxmlformats.org/drawingml/2006/chart">
@@ -15988,13 +16001,13 @@
       </p:graphicFrame>
       <p:graphicFrame>
         <p:nvGraphicFramePr>
-          <p:cNvPr id="412" name="Chart 5"/>
+          <p:cNvPr id="413" name="Chart 5"/>
           <p:cNvGraphicFramePr/>
           <p:nvPr/>
         </p:nvGraphicFramePr>
         <p:xfrm>
-          <a:off x="7253685" y="1356213"/>
-          <a:ext cx="4012797" cy="4310434"/>
+          <a:off x="7253685" y="1356214"/>
+          <a:ext cx="3992734" cy="4256555"/>
         </p:xfrm>
         <a:graphic xmlns:a="http://schemas.openxmlformats.org/drawingml/2006/main">
           <a:graphicData uri="http://schemas.openxmlformats.org/drawingml/2006/chart">
@@ -16030,7 +16043,7 @@
       </p:grpSpPr>
       <p:sp>
         <p:nvSpPr>
-          <p:cNvPr id="414" name="Title 1"/>
+          <p:cNvPr id="415" name="Title 1"/>
           <p:cNvSpPr txBox="1"/>
           <p:nvPr>
             <p:ph type="title"/>
@@ -16058,7 +16071,7 @@
       </p:sp>
       <p:graphicFrame>
         <p:nvGraphicFramePr>
-          <p:cNvPr id="415" name="Table 5"/>
+          <p:cNvPr id="416" name="Table 5"/>
           <p:cNvGraphicFramePr/>
           <p:nvPr/>
         </p:nvGraphicFramePr>
@@ -16328,7 +16341,7 @@
       </p:grpSpPr>
       <p:sp>
         <p:nvSpPr>
-          <p:cNvPr id="417" name="Title 1"/>
+          <p:cNvPr id="418" name="Title 1"/>
           <p:cNvSpPr txBox="1"/>
           <p:nvPr>
             <p:ph type="title"/>
@@ -16356,7 +16369,7 @@
       </p:sp>
       <p:sp>
         <p:nvSpPr>
-          <p:cNvPr id="418" name="Text Placeholder 2"/>
+          <p:cNvPr id="419" name="Text Placeholder 2"/>
           <p:cNvSpPr txBox="1"/>
           <p:nvPr>
             <p:ph type="body" sz="half" idx="1"/>
@@ -16437,7 +16450,7 @@
       </p:grpSpPr>
       <p:pic>
         <p:nvPicPr>
-          <p:cNvPr id="420" name="Graphic 2" descr="Graphic 2"/>
+          <p:cNvPr id="421" name="Graphic 2" descr="Graphic 2"/>
           <p:cNvPicPr>
             <a:picLocks noChangeAspect="1"/>
           </p:cNvPicPr>
@@ -16467,7 +16480,7 @@
       </p:pic>
       <p:sp>
         <p:nvSpPr>
-          <p:cNvPr id="421" name="Title 6"/>
+          <p:cNvPr id="422" name="Title 6"/>
           <p:cNvSpPr txBox="1"/>
           <p:nvPr>
             <p:ph type="title"/>
@@ -16495,7 +16508,7 @@
       </p:sp>
       <p:sp>
         <p:nvSpPr>
-          <p:cNvPr id="422" name="Content Placeholder 9"/>
+          <p:cNvPr id="423" name="Content Placeholder 9"/>
           <p:cNvSpPr txBox="1"/>
           <p:nvPr>
             <p:ph type="body" sz="quarter" idx="1"/>
@@ -16504,7 +16517,7 @@
         <p:spPr>
           <a:xfrm>
             <a:off x="6091513" y="4172989"/>
-            <a:ext cx="5057107" cy="2519375"/>
+            <a:ext cx="5057107" cy="2519376"/>
           </a:xfrm>
           <a:prstGeom prst="rect">
             <a:avLst/>
@@ -16546,28 +16559,28 @@
       </p:grpSpPr>
       <p:grpSp>
         <p:nvGrpSpPr>
-          <p:cNvPr id="174" name="LAX"/>
+          <p:cNvPr id="175" name="LAX"/>
           <p:cNvGrpSpPr/>
           <p:nvPr/>
         </p:nvGrpSpPr>
         <p:grpSpPr>
           <a:xfrm>
-            <a:off x="1772212" y="3076307"/>
-            <a:ext cx="694213" cy="694213"/>
-            <a:chOff x="0" y="0"/>
-            <a:chExt cx="694211" cy="694211"/>
+            <a:off x="1772210" y="3076305"/>
+            <a:ext cx="694215" cy="694215"/>
+            <a:chOff x="-1" y="-1"/>
+            <a:chExt cx="694214" cy="694214"/>
           </a:xfrm>
         </p:grpSpPr>
         <p:sp>
           <p:nvSpPr>
-            <p:cNvPr id="172" name="Circle"/>
+            <p:cNvPr id="173" name="Circle"/>
             <p:cNvSpPr/>
             <p:nvPr/>
           </p:nvSpPr>
           <p:spPr>
             <a:xfrm>
-              <a:off x="-1" y="-1"/>
-              <a:ext cx="694212" cy="694212"/>
+              <a:off x="-2" y="-2"/>
+              <a:ext cx="694216" cy="694216"/>
             </a:xfrm>
             <a:prstGeom prst="ellipse">
               <a:avLst/>
@@ -16620,14 +16633,14 @@
         </p:sp>
         <p:sp>
           <p:nvSpPr>
-            <p:cNvPr id="173" name="G"/>
+            <p:cNvPr id="174" name="G"/>
             <p:cNvSpPr txBox="1"/>
             <p:nvPr/>
           </p:nvSpPr>
           <p:spPr>
             <a:xfrm>
               <a:off x="106427" y="180557"/>
-              <a:ext cx="481353" cy="333084"/>
+              <a:ext cx="481355" cy="333084"/>
             </a:xfrm>
             <a:prstGeom prst="rect">
               <a:avLst/>
@@ -16668,28 +16681,28 @@
       </p:grpSp>
       <p:grpSp>
         <p:nvGrpSpPr>
-          <p:cNvPr id="177" name="JFK"/>
+          <p:cNvPr id="178" name="JFK"/>
           <p:cNvGrpSpPr/>
           <p:nvPr/>
         </p:nvGrpSpPr>
         <p:grpSpPr>
           <a:xfrm>
-            <a:off x="3972236" y="1130404"/>
-            <a:ext cx="694212" cy="694213"/>
-            <a:chOff x="0" y="0"/>
-            <a:chExt cx="694211" cy="694211"/>
+            <a:off x="3972234" y="1130402"/>
+            <a:ext cx="694213" cy="694215"/>
+            <a:chOff x="0" y="-1"/>
+            <a:chExt cx="694211" cy="694214"/>
           </a:xfrm>
         </p:grpSpPr>
         <p:sp>
           <p:nvSpPr>
-            <p:cNvPr id="175" name="Circle"/>
+            <p:cNvPr id="176" name="Circle"/>
             <p:cNvSpPr/>
             <p:nvPr/>
           </p:nvSpPr>
           <p:spPr>
             <a:xfrm>
-              <a:off x="-1" y="-1"/>
-              <a:ext cx="694212" cy="694212"/>
+              <a:off x="-1" y="-2"/>
+              <a:ext cx="694213" cy="694216"/>
             </a:xfrm>
             <a:prstGeom prst="ellipse">
               <a:avLst/>
@@ -16742,14 +16755,14 @@
         </p:sp>
         <p:sp>
           <p:nvSpPr>
-            <p:cNvPr id="176" name="A"/>
+            <p:cNvPr id="177" name="A"/>
             <p:cNvSpPr txBox="1"/>
             <p:nvPr/>
           </p:nvSpPr>
           <p:spPr>
             <a:xfrm>
               <a:off x="106427" y="180557"/>
-              <a:ext cx="481352" cy="333084"/>
+              <a:ext cx="481353" cy="333084"/>
             </a:xfrm>
             <a:prstGeom prst="rect">
               <a:avLst/>
@@ -16790,28 +16803,28 @@
       </p:grpSp>
       <p:grpSp>
         <p:nvGrpSpPr>
-          <p:cNvPr id="180" name="MIA"/>
+          <p:cNvPr id="181" name="MIA"/>
           <p:cNvGrpSpPr/>
           <p:nvPr/>
         </p:nvGrpSpPr>
         <p:grpSpPr>
           <a:xfrm>
-            <a:off x="6159388" y="3076307"/>
-            <a:ext cx="694213" cy="694213"/>
-            <a:chOff x="0" y="0"/>
-            <a:chExt cx="694211" cy="694211"/>
+            <a:off x="6159386" y="3076305"/>
+            <a:ext cx="694215" cy="694215"/>
+            <a:chOff x="-1" y="-1"/>
+            <a:chExt cx="694214" cy="694214"/>
           </a:xfrm>
         </p:grpSpPr>
         <p:sp>
           <p:nvSpPr>
-            <p:cNvPr id="178" name="Circle"/>
+            <p:cNvPr id="179" name="Circle"/>
             <p:cNvSpPr/>
             <p:nvPr/>
           </p:nvSpPr>
           <p:spPr>
             <a:xfrm>
-              <a:off x="-1" y="-1"/>
-              <a:ext cx="694212" cy="694212"/>
+              <a:off x="-2" y="-2"/>
+              <a:ext cx="694216" cy="694216"/>
             </a:xfrm>
             <a:prstGeom prst="ellipse">
               <a:avLst/>
@@ -16864,14 +16877,14 @@
         </p:sp>
         <p:sp>
           <p:nvSpPr>
-            <p:cNvPr id="179" name="C"/>
+            <p:cNvPr id="180" name="C"/>
             <p:cNvSpPr txBox="1"/>
             <p:nvPr/>
           </p:nvSpPr>
           <p:spPr>
             <a:xfrm>
               <a:off x="106427" y="180557"/>
-              <a:ext cx="481352" cy="333084"/>
+              <a:ext cx="481354" cy="333084"/>
             </a:xfrm>
             <a:prstGeom prst="rect">
               <a:avLst/>
@@ -16912,28 +16925,28 @@
       </p:grpSp>
       <p:grpSp>
         <p:nvGrpSpPr>
-          <p:cNvPr id="183" name="HOU"/>
+          <p:cNvPr id="184" name="HOU"/>
           <p:cNvGrpSpPr/>
           <p:nvPr/>
         </p:nvGrpSpPr>
         <p:grpSpPr>
           <a:xfrm>
-            <a:off x="3972236" y="5033389"/>
-            <a:ext cx="694212" cy="694213"/>
+            <a:off x="3972234" y="5033387"/>
+            <a:ext cx="694213" cy="694217"/>
             <a:chOff x="0" y="0"/>
-            <a:chExt cx="694211" cy="694211"/>
+            <a:chExt cx="694211" cy="694216"/>
           </a:xfrm>
         </p:grpSpPr>
         <p:sp>
           <p:nvSpPr>
-            <p:cNvPr id="181" name="Circle"/>
+            <p:cNvPr id="182" name="Circle"/>
             <p:cNvSpPr/>
             <p:nvPr/>
           </p:nvSpPr>
           <p:spPr>
             <a:xfrm>
               <a:off x="-1" y="-1"/>
-              <a:ext cx="694212" cy="694213"/>
+              <a:ext cx="694213" cy="694217"/>
             </a:xfrm>
             <a:prstGeom prst="ellipse">
               <a:avLst/>
@@ -16986,14 +16999,14 @@
         </p:sp>
         <p:sp>
           <p:nvSpPr>
-            <p:cNvPr id="182" name="E"/>
+            <p:cNvPr id="183" name="E"/>
             <p:cNvSpPr txBox="1"/>
             <p:nvPr/>
           </p:nvSpPr>
           <p:spPr>
             <a:xfrm>
               <a:off x="106427" y="180557"/>
-              <a:ext cx="481352" cy="333084"/>
+              <a:ext cx="481353" cy="333084"/>
             </a:xfrm>
             <a:prstGeom prst="rect">
               <a:avLst/>
@@ -17034,28 +17047,28 @@
       </p:grpSp>
       <p:grpSp>
         <p:nvGrpSpPr>
-          <p:cNvPr id="186" name="JFK"/>
+          <p:cNvPr id="187" name="JFK"/>
           <p:cNvGrpSpPr/>
           <p:nvPr/>
         </p:nvGrpSpPr>
         <p:grpSpPr>
           <a:xfrm>
-            <a:off x="2518923" y="1774121"/>
-            <a:ext cx="694213" cy="694213"/>
-            <a:chOff x="0" y="0"/>
-            <a:chExt cx="694211" cy="694211"/>
+            <a:off x="2518921" y="1774119"/>
+            <a:ext cx="694215" cy="694215"/>
+            <a:chOff x="-1" y="-1"/>
+            <a:chExt cx="694214" cy="694214"/>
           </a:xfrm>
         </p:grpSpPr>
         <p:sp>
           <p:nvSpPr>
-            <p:cNvPr id="184" name="Circle"/>
+            <p:cNvPr id="185" name="Circle"/>
             <p:cNvSpPr/>
             <p:nvPr/>
           </p:nvSpPr>
           <p:spPr>
             <a:xfrm>
-              <a:off x="-1" y="-1"/>
-              <a:ext cx="694212" cy="694212"/>
+              <a:off x="-2" y="-2"/>
+              <a:ext cx="694216" cy="694216"/>
             </a:xfrm>
             <a:prstGeom prst="ellipse">
               <a:avLst/>
@@ -17108,14 +17121,14 @@
         </p:sp>
         <p:sp>
           <p:nvSpPr>
-            <p:cNvPr id="185" name="H"/>
+            <p:cNvPr id="186" name="H"/>
             <p:cNvSpPr txBox="1"/>
             <p:nvPr/>
           </p:nvSpPr>
           <p:spPr>
             <a:xfrm>
               <a:off x="106427" y="180557"/>
-              <a:ext cx="481353" cy="333084"/>
+              <a:ext cx="481355" cy="333084"/>
             </a:xfrm>
             <a:prstGeom prst="rect">
               <a:avLst/>
@@ -17156,28 +17169,28 @@
       </p:grpSp>
       <p:grpSp>
         <p:nvGrpSpPr>
-          <p:cNvPr id="189" name="JFK"/>
+          <p:cNvPr id="190" name="JFK"/>
           <p:cNvGrpSpPr/>
           <p:nvPr/>
         </p:nvGrpSpPr>
         <p:grpSpPr>
           <a:xfrm>
-            <a:off x="5425550" y="1774121"/>
-            <a:ext cx="694212" cy="694213"/>
-            <a:chOff x="0" y="0"/>
-            <a:chExt cx="694211" cy="694211"/>
+            <a:off x="5425548" y="1774119"/>
+            <a:ext cx="694213" cy="694215"/>
+            <a:chOff x="0" y="-1"/>
+            <a:chExt cx="694211" cy="694214"/>
           </a:xfrm>
         </p:grpSpPr>
         <p:sp>
           <p:nvSpPr>
-            <p:cNvPr id="187" name="Circle"/>
+            <p:cNvPr id="188" name="Circle"/>
             <p:cNvSpPr/>
             <p:nvPr/>
           </p:nvSpPr>
           <p:spPr>
             <a:xfrm>
-              <a:off x="-1" y="-1"/>
-              <a:ext cx="694212" cy="694212"/>
+              <a:off x="-1" y="-2"/>
+              <a:ext cx="694213" cy="694216"/>
             </a:xfrm>
             <a:prstGeom prst="ellipse">
               <a:avLst/>
@@ -17230,14 +17243,14 @@
         </p:sp>
         <p:sp>
           <p:nvSpPr>
-            <p:cNvPr id="188" name="B"/>
+            <p:cNvPr id="189" name="B"/>
             <p:cNvSpPr txBox="1"/>
             <p:nvPr/>
           </p:nvSpPr>
           <p:spPr>
             <a:xfrm>
               <a:off x="106427" y="180557"/>
-              <a:ext cx="481352" cy="333084"/>
+              <a:ext cx="481353" cy="333084"/>
             </a:xfrm>
             <a:prstGeom prst="rect">
               <a:avLst/>
@@ -17278,28 +17291,28 @@
       </p:grpSp>
       <p:grpSp>
         <p:nvGrpSpPr>
-          <p:cNvPr id="192" name="JFK"/>
+          <p:cNvPr id="193" name="JFK"/>
           <p:cNvGrpSpPr/>
           <p:nvPr/>
         </p:nvGrpSpPr>
         <p:grpSpPr>
           <a:xfrm>
-            <a:off x="5425550" y="4389672"/>
-            <a:ext cx="694212" cy="694213"/>
-            <a:chOff x="0" y="0"/>
-            <a:chExt cx="694211" cy="694211"/>
+            <a:off x="5425548" y="4389670"/>
+            <a:ext cx="694213" cy="694215"/>
+            <a:chOff x="0" y="-1"/>
+            <a:chExt cx="694211" cy="694214"/>
           </a:xfrm>
         </p:grpSpPr>
         <p:sp>
           <p:nvSpPr>
-            <p:cNvPr id="190" name="Circle"/>
+            <p:cNvPr id="191" name="Circle"/>
             <p:cNvSpPr/>
             <p:nvPr/>
           </p:nvSpPr>
           <p:spPr>
             <a:xfrm>
-              <a:off x="-1" y="-1"/>
-              <a:ext cx="694212" cy="694212"/>
+              <a:off x="-1" y="-2"/>
+              <a:ext cx="694213" cy="694216"/>
             </a:xfrm>
             <a:prstGeom prst="ellipse">
               <a:avLst/>
@@ -17352,14 +17365,14 @@
         </p:sp>
         <p:sp>
           <p:nvSpPr>
-            <p:cNvPr id="191" name="D"/>
+            <p:cNvPr id="192" name="D"/>
             <p:cNvSpPr txBox="1"/>
             <p:nvPr/>
           </p:nvSpPr>
           <p:spPr>
             <a:xfrm>
               <a:off x="106427" y="180557"/>
-              <a:ext cx="481352" cy="333084"/>
+              <a:ext cx="481353" cy="333084"/>
             </a:xfrm>
             <a:prstGeom prst="rect">
               <a:avLst/>
@@ -17400,28 +17413,28 @@
       </p:grpSp>
       <p:grpSp>
         <p:nvGrpSpPr>
-          <p:cNvPr id="195" name="JFK"/>
+          <p:cNvPr id="196" name="JFK"/>
           <p:cNvGrpSpPr/>
           <p:nvPr/>
         </p:nvGrpSpPr>
         <p:grpSpPr>
           <a:xfrm>
-            <a:off x="2518923" y="4389672"/>
-            <a:ext cx="694213" cy="694213"/>
-            <a:chOff x="0" y="0"/>
-            <a:chExt cx="694211" cy="694211"/>
+            <a:off x="2518921" y="4389670"/>
+            <a:ext cx="694215" cy="694215"/>
+            <a:chOff x="-1" y="-1"/>
+            <a:chExt cx="694214" cy="694214"/>
           </a:xfrm>
         </p:grpSpPr>
         <p:sp>
           <p:nvSpPr>
-            <p:cNvPr id="193" name="Circle"/>
+            <p:cNvPr id="194" name="Circle"/>
             <p:cNvSpPr/>
             <p:nvPr/>
           </p:nvSpPr>
           <p:spPr>
             <a:xfrm>
-              <a:off x="-1" y="-1"/>
-              <a:ext cx="694212" cy="694212"/>
+              <a:off x="-2" y="-2"/>
+              <a:ext cx="694216" cy="694216"/>
             </a:xfrm>
             <a:prstGeom prst="ellipse">
               <a:avLst/>
@@ -17474,14 +17487,14 @@
         </p:sp>
         <p:sp>
           <p:nvSpPr>
-            <p:cNvPr id="194" name="F"/>
+            <p:cNvPr id="195" name="F"/>
             <p:cNvSpPr txBox="1"/>
             <p:nvPr/>
           </p:nvSpPr>
           <p:spPr>
             <a:xfrm>
               <a:off x="106427" y="180557"/>
-              <a:ext cx="481353" cy="333084"/>
+              <a:ext cx="481355" cy="333084"/>
             </a:xfrm>
             <a:prstGeom prst="rect">
               <a:avLst/>
@@ -17522,13 +17535,13 @@
       </p:grpSp>
       <p:sp>
         <p:nvSpPr>
-          <p:cNvPr id="196" name="Text"/>
+          <p:cNvPr id="197" name="Text"/>
           <p:cNvSpPr txBox="1"/>
           <p:nvPr/>
         </p:nvSpPr>
         <p:spPr>
           <a:xfrm>
-            <a:off x="8912952" y="2123971"/>
+            <a:off x="8912952" y="2123970"/>
             <a:ext cx="1049555" cy="254865"/>
           </a:xfrm>
           <a:prstGeom prst="rect">
@@ -17596,14 +17609,14 @@
       </p:sp>
       <p:sp>
         <p:nvSpPr>
-          <p:cNvPr id="197" name="Text"/>
+          <p:cNvPr id="198" name="Text"/>
           <p:cNvSpPr txBox="1"/>
           <p:nvPr/>
         </p:nvSpPr>
         <p:spPr>
           <a:xfrm>
             <a:off x="8830958" y="3385149"/>
-            <a:ext cx="1184162" cy="225844"/>
+            <a:ext cx="1184162" cy="225843"/>
           </a:xfrm>
           <a:prstGeom prst="rect">
             <a:avLst/>
@@ -17676,14 +17689,14 @@
       </p:sp>
       <p:sp>
         <p:nvSpPr>
-          <p:cNvPr id="198" name="Line"/>
+          <p:cNvPr id="199" name="Line"/>
           <p:cNvSpPr/>
           <p:nvPr/>
         </p:nvSpPr>
         <p:spPr>
           <a:xfrm>
             <a:off x="2281714" y="3731138"/>
-            <a:ext cx="392073" cy="718317"/>
+            <a:ext cx="392074" cy="718318"/>
           </a:xfrm>
           <a:prstGeom prst="line">
             <a:avLst/>
@@ -17704,14 +17717,14 @@
       </p:sp>
       <p:sp>
         <p:nvSpPr>
-          <p:cNvPr id="199" name="Line"/>
+          <p:cNvPr id="200" name="Line"/>
           <p:cNvSpPr/>
           <p:nvPr/>
         </p:nvSpPr>
         <p:spPr>
           <a:xfrm flipH="1">
             <a:off x="5991914" y="3751553"/>
-            <a:ext cx="392881" cy="714458"/>
+            <a:ext cx="392882" cy="714459"/>
           </a:xfrm>
           <a:prstGeom prst="line">
             <a:avLst/>
@@ -17732,14 +17745,14 @@
       </p:sp>
       <p:sp>
         <p:nvSpPr>
-          <p:cNvPr id="200" name="Line"/>
+          <p:cNvPr id="201" name="Line"/>
           <p:cNvSpPr/>
           <p:nvPr/>
         </p:nvSpPr>
         <p:spPr>
           <a:xfrm>
             <a:off x="3170714" y="4912238"/>
-            <a:ext cx="802469" cy="398360"/>
+            <a:ext cx="802470" cy="398361"/>
           </a:xfrm>
           <a:prstGeom prst="line">
             <a:avLst/>
@@ -17760,14 +17773,14 @@
       </p:sp>
       <p:sp>
         <p:nvSpPr>
-          <p:cNvPr id="201" name="Line"/>
+          <p:cNvPr id="202" name="Line"/>
           <p:cNvSpPr/>
           <p:nvPr/>
         </p:nvSpPr>
         <p:spPr>
           <a:xfrm flipH="1">
             <a:off x="4654729" y="4912240"/>
-            <a:ext cx="812068" cy="373952"/>
+            <a:ext cx="812069" cy="373953"/>
           </a:xfrm>
           <a:prstGeom prst="line">
             <a:avLst/>
@@ -17788,7 +17801,7 @@
       </p:sp>
       <p:sp>
         <p:nvSpPr>
-          <p:cNvPr id="202" name="Hamiltonian Cycles"/>
+          <p:cNvPr id="203" name="Hamiltonian Cycles"/>
           <p:cNvSpPr txBox="1"/>
           <p:nvPr/>
         </p:nvSpPr>
@@ -17839,14 +17852,14 @@
       </p:sp>
       <p:sp>
         <p:nvSpPr>
-          <p:cNvPr id="203" name="Line"/>
+          <p:cNvPr id="204" name="Line"/>
           <p:cNvSpPr/>
           <p:nvPr/>
         </p:nvSpPr>
         <p:spPr>
           <a:xfrm flipH="1" flipV="1">
             <a:off x="2465609" y="3423408"/>
-            <a:ext cx="3693509" cy="11188"/>
+            <a:ext cx="3693510" cy="11189"/>
           </a:xfrm>
           <a:prstGeom prst="line">
             <a:avLst/>
@@ -17867,14 +17880,14 @@
       </p:sp>
       <p:sp>
         <p:nvSpPr>
-          <p:cNvPr id="204" name="Line"/>
+          <p:cNvPr id="205" name="Line"/>
           <p:cNvSpPr/>
           <p:nvPr/>
         </p:nvSpPr>
         <p:spPr>
           <a:xfrm flipH="1">
             <a:off x="2285849" y="2409288"/>
-            <a:ext cx="387925" cy="710746"/>
+            <a:ext cx="387926" cy="710747"/>
           </a:xfrm>
           <a:prstGeom prst="line">
             <a:avLst/>
@@ -17895,14 +17908,14 @@
       </p:sp>
       <p:sp>
         <p:nvSpPr>
-          <p:cNvPr id="205" name="Line"/>
+          <p:cNvPr id="206" name="Line"/>
           <p:cNvSpPr/>
           <p:nvPr/>
         </p:nvSpPr>
         <p:spPr>
           <a:xfrm>
             <a:off x="5991914" y="2391991"/>
-            <a:ext cx="402679" cy="699055"/>
+            <a:ext cx="402680" cy="699056"/>
           </a:xfrm>
           <a:prstGeom prst="line">
             <a:avLst/>
@@ -17923,14 +17936,14 @@
       </p:sp>
       <p:sp>
         <p:nvSpPr>
-          <p:cNvPr id="206" name="Line"/>
+          <p:cNvPr id="207" name="Line"/>
           <p:cNvSpPr/>
           <p:nvPr/>
         </p:nvSpPr>
         <p:spPr>
           <a:xfrm flipV="1">
             <a:off x="3170714" y="1540551"/>
-            <a:ext cx="803784" cy="401713"/>
+            <a:ext cx="803785" cy="401714"/>
           </a:xfrm>
           <a:prstGeom prst="line">
             <a:avLst/>
@@ -17951,14 +17964,14 @@
       </p:sp>
       <p:sp>
         <p:nvSpPr>
-          <p:cNvPr id="207" name="Line"/>
+          <p:cNvPr id="208" name="Line"/>
           <p:cNvSpPr/>
           <p:nvPr/>
         </p:nvSpPr>
         <p:spPr>
           <a:xfrm flipH="1" flipV="1">
             <a:off x="4656616" y="1550884"/>
-            <a:ext cx="806907" cy="409320"/>
+            <a:ext cx="806908" cy="409320"/>
           </a:xfrm>
           <a:prstGeom prst="line">
             <a:avLst/>
@@ -17979,14 +17992,14 @@
       </p:sp>
       <p:sp>
         <p:nvSpPr>
-          <p:cNvPr id="208" name="Line"/>
+          <p:cNvPr id="209" name="Line"/>
           <p:cNvSpPr/>
           <p:nvPr/>
         </p:nvSpPr>
         <p:spPr>
           <a:xfrm flipV="1">
             <a:off x="4317817" y="1819123"/>
-            <a:ext cx="19454" cy="3208918"/>
+            <a:ext cx="19455" cy="3208919"/>
           </a:xfrm>
           <a:prstGeom prst="line">
             <a:avLst/>
@@ -18007,14 +18020,14 @@
       </p:sp>
       <p:sp>
         <p:nvSpPr>
-          <p:cNvPr id="209" name="Line"/>
+          <p:cNvPr id="210" name="Line"/>
           <p:cNvSpPr/>
           <p:nvPr/>
         </p:nvSpPr>
         <p:spPr>
           <a:xfrm flipH="1" flipV="1">
             <a:off x="3108236" y="2371492"/>
-            <a:ext cx="2420558" cy="2119655"/>
+            <a:ext cx="2420559" cy="2119655"/>
           </a:xfrm>
           <a:prstGeom prst="line">
             <a:avLst/>
@@ -18035,7 +18048,7 @@
       </p:sp>
       <p:sp>
         <p:nvSpPr>
-          <p:cNvPr id="210" name="Line"/>
+          <p:cNvPr id="211" name="Line"/>
           <p:cNvSpPr/>
           <p:nvPr/>
         </p:nvSpPr>
@@ -18063,14 +18076,14 @@
       </p:sp>
       <p:sp>
         <p:nvSpPr>
-          <p:cNvPr id="211" name="Line"/>
+          <p:cNvPr id="212" name="Line"/>
           <p:cNvSpPr/>
           <p:nvPr/>
         </p:nvSpPr>
         <p:spPr>
           <a:xfrm>
             <a:off x="4522230" y="1756578"/>
-            <a:ext cx="1717291" cy="1444562"/>
+            <a:ext cx="1717291" cy="1444563"/>
           </a:xfrm>
           <a:prstGeom prst="line">
             <a:avLst/>
@@ -18091,14 +18104,14 @@
       </p:sp>
       <p:sp>
         <p:nvSpPr>
-          <p:cNvPr id="212" name="Line"/>
+          <p:cNvPr id="213" name="Line"/>
           <p:cNvSpPr/>
           <p:nvPr/>
         </p:nvSpPr>
         <p:spPr>
           <a:xfrm>
-            <a:off x="4423340" y="1813922"/>
-            <a:ext cx="1206976" cy="2606852"/>
+            <a:off x="4423340" y="1813921"/>
+            <a:ext cx="1206977" cy="2606854"/>
           </a:xfrm>
           <a:prstGeom prst="line">
             <a:avLst/>
@@ -18119,14 +18132,14 @@
       </p:sp>
       <p:sp>
         <p:nvSpPr>
-          <p:cNvPr id="213" name="Line"/>
+          <p:cNvPr id="214" name="Line"/>
           <p:cNvSpPr/>
           <p:nvPr/>
         </p:nvSpPr>
         <p:spPr>
           <a:xfrm flipH="1">
             <a:off x="3023814" y="1811095"/>
-            <a:ext cx="1209155" cy="2618459"/>
+            <a:ext cx="1209156" cy="2618460"/>
           </a:xfrm>
           <a:prstGeom prst="line">
             <a:avLst/>
@@ -18147,14 +18160,14 @@
       </p:sp>
       <p:sp>
         <p:nvSpPr>
-          <p:cNvPr id="214" name="Line"/>
+          <p:cNvPr id="215" name="Line"/>
           <p:cNvSpPr/>
           <p:nvPr/>
         </p:nvSpPr>
         <p:spPr>
           <a:xfrm flipH="1">
             <a:off x="2410390" y="1742948"/>
-            <a:ext cx="1675111" cy="1483586"/>
+            <a:ext cx="1675111" cy="1483587"/>
           </a:xfrm>
           <a:prstGeom prst="line">
             <a:avLst/>
@@ -18175,14 +18188,14 @@
       </p:sp>
       <p:sp>
         <p:nvSpPr>
-          <p:cNvPr id="215" name="Line"/>
+          <p:cNvPr id="216" name="Line"/>
           <p:cNvSpPr/>
           <p:nvPr/>
         </p:nvSpPr>
         <p:spPr>
           <a:xfrm flipH="1">
             <a:off x="5766999" y="2465079"/>
-            <a:ext cx="4372" cy="1926535"/>
+            <a:ext cx="4373" cy="1926535"/>
           </a:xfrm>
           <a:prstGeom prst="line">
             <a:avLst/>
@@ -18203,14 +18216,14 @@
       </p:sp>
       <p:sp>
         <p:nvSpPr>
-          <p:cNvPr id="216" name="Line"/>
+          <p:cNvPr id="217" name="Line"/>
           <p:cNvSpPr/>
           <p:nvPr/>
         </p:nvSpPr>
         <p:spPr>
           <a:xfrm flipH="1">
             <a:off x="2863843" y="2471284"/>
-            <a:ext cx="7" cy="1915394"/>
+            <a:ext cx="8" cy="1915394"/>
           </a:xfrm>
           <a:prstGeom prst="line">
             <a:avLst/>
@@ -18231,14 +18244,14 @@
       </p:sp>
       <p:sp>
         <p:nvSpPr>
-          <p:cNvPr id="217" name="Line"/>
+          <p:cNvPr id="218" name="Line"/>
           <p:cNvSpPr/>
           <p:nvPr/>
         </p:nvSpPr>
         <p:spPr>
           <a:xfrm flipH="1">
             <a:off x="4523618" y="2455751"/>
-            <a:ext cx="1153213" cy="2639737"/>
+            <a:ext cx="1153214" cy="2639738"/>
           </a:xfrm>
           <a:prstGeom prst="line">
             <a:avLst/>
@@ -18259,14 +18272,14 @@
       </p:sp>
       <p:sp>
         <p:nvSpPr>
-          <p:cNvPr id="218" name="Line"/>
+          <p:cNvPr id="219" name="Line"/>
           <p:cNvSpPr/>
           <p:nvPr/>
         </p:nvSpPr>
         <p:spPr>
           <a:xfrm>
             <a:off x="2994211" y="2443594"/>
-            <a:ext cx="1121865" cy="2655302"/>
+            <a:ext cx="1121865" cy="2655303"/>
           </a:xfrm>
           <a:prstGeom prst="line">
             <a:avLst/>
@@ -18287,14 +18300,14 @@
       </p:sp>
       <p:sp>
         <p:nvSpPr>
-          <p:cNvPr id="219" name="Line"/>
+          <p:cNvPr id="220" name="Line"/>
           <p:cNvSpPr/>
           <p:nvPr/>
         </p:nvSpPr>
         <p:spPr>
           <a:xfrm flipH="1">
             <a:off x="2458295" y="2265876"/>
-            <a:ext cx="3002942" cy="1072671"/>
+            <a:ext cx="3002943" cy="1072671"/>
           </a:xfrm>
           <a:prstGeom prst="line">
             <a:avLst/>
@@ -18315,14 +18328,14 @@
       </p:sp>
       <p:sp>
         <p:nvSpPr>
-          <p:cNvPr id="220" name="Line"/>
+          <p:cNvPr id="221" name="Line"/>
           <p:cNvSpPr/>
           <p:nvPr/>
         </p:nvSpPr>
         <p:spPr>
           <a:xfrm>
             <a:off x="3192052" y="2253175"/>
-            <a:ext cx="2976888" cy="1071025"/>
+            <a:ext cx="2976889" cy="1071026"/>
           </a:xfrm>
           <a:prstGeom prst="line">
             <a:avLst/>
@@ -18343,14 +18356,14 @@
       </p:sp>
       <p:sp>
         <p:nvSpPr>
-          <p:cNvPr id="221" name="Line"/>
+          <p:cNvPr id="222" name="Line"/>
           <p:cNvSpPr/>
           <p:nvPr/>
         </p:nvSpPr>
         <p:spPr>
           <a:xfrm flipH="1" flipV="1">
             <a:off x="3211638" y="2109341"/>
-            <a:ext cx="2215404" cy="6"/>
+            <a:ext cx="2215404" cy="7"/>
           </a:xfrm>
           <a:prstGeom prst="line">
             <a:avLst/>
@@ -18371,14 +18384,14 @@
       </p:sp>
       <p:sp>
         <p:nvSpPr>
-          <p:cNvPr id="222" name="Line"/>
+          <p:cNvPr id="223" name="Line"/>
           <p:cNvSpPr/>
           <p:nvPr/>
         </p:nvSpPr>
         <p:spPr>
           <a:xfrm flipH="1" flipV="1">
-            <a:off x="3210079" y="4724715"/>
-            <a:ext cx="2216987" cy="2152"/>
+            <a:off x="3210078" y="4724715"/>
+            <a:ext cx="2216989" cy="2153"/>
           </a:xfrm>
           <a:prstGeom prst="line">
             <a:avLst/>
@@ -18399,14 +18412,14 @@
       </p:sp>
       <p:sp>
         <p:nvSpPr>
-          <p:cNvPr id="223" name="Line"/>
+          <p:cNvPr id="224" name="Line"/>
           <p:cNvSpPr/>
           <p:nvPr/>
         </p:nvSpPr>
         <p:spPr>
           <a:xfrm flipH="1">
             <a:off x="3185752" y="3591900"/>
-            <a:ext cx="3017769" cy="1012964"/>
+            <a:ext cx="3017770" cy="1012965"/>
           </a:xfrm>
           <a:prstGeom prst="line">
             <a:avLst/>
@@ -18427,14 +18440,14 @@
       </p:sp>
       <p:sp>
         <p:nvSpPr>
-          <p:cNvPr id="224" name="Line"/>
+          <p:cNvPr id="225" name="Line"/>
           <p:cNvSpPr/>
           <p:nvPr/>
         </p:nvSpPr>
         <p:spPr>
           <a:xfrm>
             <a:off x="2429097" y="3581427"/>
-            <a:ext cx="3026712" cy="1012964"/>
+            <a:ext cx="3026713" cy="1012965"/>
           </a:xfrm>
           <a:prstGeom prst="line">
             <a:avLst/>
@@ -18455,14 +18468,14 @@
       </p:sp>
       <p:sp>
         <p:nvSpPr>
-          <p:cNvPr id="225" name="Line"/>
+          <p:cNvPr id="226" name="Line"/>
           <p:cNvSpPr/>
           <p:nvPr/>
         </p:nvSpPr>
         <p:spPr>
           <a:xfrm flipV="1">
             <a:off x="4616851" y="3693278"/>
-            <a:ext cx="1665536" cy="1498808"/>
+            <a:ext cx="1665536" cy="1498809"/>
           </a:xfrm>
           <a:prstGeom prst="line">
             <a:avLst/>
@@ -18483,14 +18496,14 @@
       </p:sp>
       <p:sp>
         <p:nvSpPr>
-          <p:cNvPr id="226" name="Line"/>
+          <p:cNvPr id="227" name="Line"/>
           <p:cNvSpPr/>
           <p:nvPr/>
         </p:nvSpPr>
         <p:spPr>
           <a:xfrm flipH="1" flipV="1">
             <a:off x="2373764" y="3660268"/>
-            <a:ext cx="1672391" cy="1506051"/>
+            <a:ext cx="1672391" cy="1506052"/>
           </a:xfrm>
           <a:prstGeom prst="line">
             <a:avLst/>
@@ -18511,14 +18524,14 @@
       </p:sp>
       <p:sp>
         <p:nvSpPr>
-          <p:cNvPr id="227" name="Text"/>
+          <p:cNvPr id="228" name="Text"/>
           <p:cNvSpPr txBox="1"/>
           <p:nvPr/>
         </p:nvSpPr>
         <p:spPr>
           <a:xfrm>
             <a:off x="8617208" y="3852519"/>
-            <a:ext cx="1611664" cy="227774"/>
+            <a:ext cx="1611664" cy="227773"/>
           </a:xfrm>
           <a:prstGeom prst="rect">
             <a:avLst/>
@@ -18609,7 +18622,7 @@
       </p:sp>
       <p:sp>
         <p:nvSpPr>
-          <p:cNvPr id="228" name="Text"/>
+          <p:cNvPr id="229" name="Text"/>
           <p:cNvSpPr txBox="1"/>
           <p:nvPr/>
         </p:nvSpPr>
@@ -18707,7 +18720,7 @@
       </p:sp>
       <p:sp>
         <p:nvSpPr>
-          <p:cNvPr id="229" name="Tsp"/>
+          <p:cNvPr id="230" name="Tsp"/>
           <p:cNvSpPr txBox="1"/>
           <p:nvPr>
             <p:ph type="title" idx="4294967295"/>
@@ -18735,7 +18748,7 @@
       </p:sp>
       <p:sp>
         <p:nvSpPr>
-          <p:cNvPr id="230" name="Equation"/>
+          <p:cNvPr id="231" name="Equation"/>
           <p:cNvSpPr txBox="1"/>
           <p:nvPr/>
         </p:nvSpPr>
@@ -18841,7 +18854,7 @@
       </p:grpSpPr>
       <p:sp>
         <p:nvSpPr>
-          <p:cNvPr id="232" name="✅ “MIA HOU NYC LA MIA“…"/>
+          <p:cNvPr id="233" name="✅ “MIA HOU NYC LA MIA“…"/>
           <p:cNvSpPr txBox="1"/>
           <p:nvPr/>
         </p:nvSpPr>
@@ -18905,7 +18918,7 @@
       </p:sp>
       <p:sp>
         <p:nvSpPr>
-          <p:cNvPr id="233" name="Title 6"/>
+          <p:cNvPr id="234" name="Title 6"/>
           <p:cNvSpPr txBox="1"/>
           <p:nvPr>
             <p:ph type="title"/>
@@ -18937,7 +18950,7 @@
       </p:sp>
       <p:graphicFrame>
         <p:nvGraphicFramePr>
-          <p:cNvPr id="234" name="Table 1"/>
+          <p:cNvPr id="235" name="Table 1"/>
           <p:cNvGraphicFramePr/>
           <p:nvPr/>
         </p:nvGraphicFramePr>
@@ -19265,7 +19278,7 @@
       </p:grpSpPr>
       <p:sp>
         <p:nvSpPr>
-          <p:cNvPr id="236" name="Title 1"/>
+          <p:cNvPr id="237" name="Title 1"/>
           <p:cNvSpPr txBox="1"/>
           <p:nvPr>
             <p:ph type="title"/>
@@ -19293,28 +19306,28 @@
       </p:sp>
       <p:grpSp>
         <p:nvGrpSpPr>
-          <p:cNvPr id="239" name="Hamiltonian Cycle"/>
+          <p:cNvPr id="240" name="Hamiltonian Cycle"/>
           <p:cNvGrpSpPr/>
           <p:nvPr/>
         </p:nvGrpSpPr>
         <p:grpSpPr>
           <a:xfrm>
-            <a:off x="2284986" y="5029548"/>
-            <a:ext cx="1654590" cy="903729"/>
-            <a:chOff x="0" y="0"/>
-            <a:chExt cx="1654588" cy="903727"/>
+            <a:off x="2284984" y="5029548"/>
+            <a:ext cx="1654592" cy="903732"/>
+            <a:chOff x="-1" y="0"/>
+            <a:chExt cx="1654591" cy="903730"/>
           </a:xfrm>
         </p:grpSpPr>
         <p:sp>
           <p:nvSpPr>
-            <p:cNvPr id="237" name="Rectangle"/>
+            <p:cNvPr id="238" name="Rectangle"/>
             <p:cNvSpPr/>
             <p:nvPr/>
           </p:nvSpPr>
           <p:spPr>
             <a:xfrm>
-              <a:off x="-1" y="0"/>
-              <a:ext cx="1654589" cy="903729"/>
+              <a:off x="-2" y="0"/>
+              <a:ext cx="1654592" cy="903732"/>
             </a:xfrm>
             <a:prstGeom prst="rect">
               <a:avLst/>
@@ -19349,14 +19362,14 @@
         </p:sp>
         <p:sp>
           <p:nvSpPr>
-            <p:cNvPr id="238" name="Hamiltonian Cycle"/>
+            <p:cNvPr id="239" name="Hamiltonian Cycle"/>
             <p:cNvSpPr txBox="1"/>
             <p:nvPr/>
           </p:nvSpPr>
           <p:spPr>
             <a:xfrm>
-              <a:off x="4762" y="139267"/>
-              <a:ext cx="1645064" cy="625184"/>
+              <a:off x="4761" y="139267"/>
+              <a:ext cx="1645068" cy="625184"/>
             </a:xfrm>
             <a:prstGeom prst="rect">
               <a:avLst/>
@@ -19397,143 +19410,21 @@
       </p:grpSp>
       <p:grpSp>
         <p:nvGrpSpPr>
-          <p:cNvPr id="242" name="LAX"/>
+          <p:cNvPr id="243" name="LAX"/>
           <p:cNvGrpSpPr/>
           <p:nvPr/>
         </p:nvGrpSpPr>
         <p:grpSpPr>
           <a:xfrm>
-            <a:off x="1668925" y="2683304"/>
-            <a:ext cx="694211" cy="694211"/>
+            <a:off x="1668924" y="2683303"/>
+            <a:ext cx="694213" cy="694213"/>
             <a:chOff x="0" y="0"/>
-            <a:chExt cx="694210" cy="694210"/>
+            <a:chExt cx="694211" cy="694211"/>
           </a:xfrm>
         </p:grpSpPr>
         <p:sp>
           <p:nvSpPr>
-            <p:cNvPr id="240" name="Circle"/>
-            <p:cNvSpPr/>
-            <p:nvPr/>
-          </p:nvSpPr>
-          <p:spPr>
-            <a:xfrm>
-              <a:off x="-1" y="-1"/>
-              <a:ext cx="694211" cy="694211"/>
-            </a:xfrm>
-            <a:prstGeom prst="ellipse">
-              <a:avLst/>
-            </a:prstGeom>
-            <a:gradFill flip="none" rotWithShape="1">
-              <a:gsLst>
-                <a:gs pos="0">
-                  <a:srgbClr val="1287F6"/>
-                </a:gs>
-                <a:gs pos="100000">
-                  <a:schemeClr val="accent5">
-                    <a:hueOff val="329330"/>
-                    <a:satOff val="40776"/>
-                    <a:lumOff val="24655"/>
-                  </a:schemeClr>
-                </a:gs>
-              </a:gsLst>
-              <a:lin ang="16976440" scaled="0"/>
-            </a:gradFill>
-            <a:ln w="9525" cap="flat">
-              <a:solidFill>
-                <a:srgbClr val="4F80EF"/>
-              </a:solidFill>
-              <a:prstDash val="solid"/>
-              <a:round/>
-            </a:ln>
-            <a:effectLst>
-              <a:outerShdw sx="100000" sy="100000" kx="0" ky="0" algn="b" rotWithShape="0" blurRad="63500" dist="25400" dir="5400000">
-                <a:srgbClr val="000000">
-                  <a:alpha val="50000"/>
-                </a:srgbClr>
-              </a:outerShdw>
-            </a:effectLst>
-          </p:spPr>
-          <p:txBody>
-            <a:bodyPr wrap="square" lIns="45718" tIns="45718" rIns="45718" bIns="45718" numCol="1" anchor="ctr">
-              <a:noAutofit/>
-            </a:bodyPr>
-            <a:lstStyle/>
-            <a:p>
-              <a:pPr algn="ctr">
-                <a:defRPr>
-                  <a:solidFill>
-                    <a:srgbClr val="FFFFFF"/>
-                  </a:solidFill>
-                </a:defRPr>
-              </a:pPr>
-            </a:p>
-          </p:txBody>
-        </p:sp>
-        <p:sp>
-          <p:nvSpPr>
-            <p:cNvPr id="241" name="LAX"/>
-            <p:cNvSpPr txBox="1"/>
-            <p:nvPr/>
-          </p:nvSpPr>
-          <p:spPr>
-            <a:xfrm>
-              <a:off x="106425" y="208097"/>
-              <a:ext cx="481352" cy="277993"/>
-            </a:xfrm>
-            <a:prstGeom prst="rect">
-              <a:avLst/>
-            </a:prstGeom>
-            <a:noFill/>
-            <a:ln w="12700" cap="flat">
-              <a:noFill/>
-              <a:miter lim="400000"/>
-            </a:ln>
-            <a:effectLst/>
-            <a:extLst>
-              <a:ext uri="{C572A759-6A51-4108-AA02-DFA0A04FC94B}">
-                <ma14:wrappingTextBoxFlag xmlns:ma14="http://schemas.microsoft.com/office/mac/drawingml/2011/main" val="1"/>
-              </a:ext>
-            </a:extLst>
-          </p:spPr>
-          <p:txBody>
-            <a:bodyPr wrap="square" lIns="45718" tIns="45718" rIns="45718" bIns="45718" numCol="1" anchor="ctr">
-              <a:spAutoFit/>
-            </a:bodyPr>
-            <a:lstStyle>
-              <a:lvl1pPr algn="ctr">
-                <a:defRPr sz="1500">
-                  <a:solidFill>
-                    <a:srgbClr val="FFFFFF"/>
-                  </a:solidFill>
-                </a:defRPr>
-              </a:lvl1pPr>
-            </a:lstStyle>
-            <a:p>
-              <a:pPr/>
-              <a:r>
-                <a:t>LA</a:t>
-              </a:r>
-            </a:p>
-          </p:txBody>
-        </p:sp>
-      </p:grpSp>
-      <p:grpSp>
-        <p:nvGrpSpPr>
-          <p:cNvPr id="245" name="JFK"/>
-          <p:cNvGrpSpPr/>
-          <p:nvPr/>
-        </p:nvGrpSpPr>
-        <p:grpSpPr>
-          <a:xfrm>
-            <a:off x="2765178" y="1578610"/>
-            <a:ext cx="694213" cy="694213"/>
-            <a:chOff x="0" y="0"/>
-            <a:chExt cx="694211" cy="694211"/>
-          </a:xfrm>
-        </p:grpSpPr>
-        <p:sp>
-          <p:nvSpPr>
-            <p:cNvPr id="243" name="Circle"/>
+            <p:cNvPr id="241" name="Circle"/>
             <p:cNvSpPr/>
             <p:nvPr/>
           </p:nvSpPr>
@@ -19593,7 +19484,7 @@
         </p:sp>
         <p:sp>
           <p:nvSpPr>
-            <p:cNvPr id="244" name="JFK"/>
+            <p:cNvPr id="242" name="LAX"/>
             <p:cNvSpPr txBox="1"/>
             <p:nvPr/>
           </p:nvSpPr>
@@ -19633,7 +19524,7 @@
             <a:p>
               <a:pPr/>
               <a:r>
-                <a:t>NYC</a:t>
+                <a:t>LA</a:t>
               </a:r>
             </a:p>
           </p:txBody>
@@ -19641,28 +19532,28 @@
       </p:grpSp>
       <p:grpSp>
         <p:nvGrpSpPr>
-          <p:cNvPr id="248" name="MIA"/>
+          <p:cNvPr id="246" name="JFK"/>
           <p:cNvGrpSpPr/>
           <p:nvPr/>
         </p:nvGrpSpPr>
         <p:grpSpPr>
           <a:xfrm>
-            <a:off x="3870697" y="2683304"/>
-            <a:ext cx="694216" cy="694211"/>
-            <a:chOff x="-1" y="0"/>
-            <a:chExt cx="694214" cy="694210"/>
+            <a:off x="2765176" y="1578609"/>
+            <a:ext cx="694215" cy="694215"/>
+            <a:chOff x="-1" y="-1"/>
+            <a:chExt cx="694214" cy="694214"/>
           </a:xfrm>
         </p:grpSpPr>
         <p:sp>
           <p:nvSpPr>
-            <p:cNvPr id="246" name="Circle"/>
+            <p:cNvPr id="244" name="Circle"/>
             <p:cNvSpPr/>
             <p:nvPr/>
           </p:nvSpPr>
           <p:spPr>
             <a:xfrm>
-              <a:off x="-2" y="-1"/>
-              <a:ext cx="694216" cy="694211"/>
+              <a:off x="-2" y="-2"/>
+              <a:ext cx="694216" cy="694216"/>
             </a:xfrm>
             <a:prstGeom prst="ellipse">
               <a:avLst/>
@@ -19715,14 +19606,14 @@
         </p:sp>
         <p:sp>
           <p:nvSpPr>
-            <p:cNvPr id="247" name="MIA"/>
+            <p:cNvPr id="245" name="JFK"/>
             <p:cNvSpPr txBox="1"/>
             <p:nvPr/>
           </p:nvSpPr>
           <p:spPr>
             <a:xfrm>
-              <a:off x="106426" y="208097"/>
-              <a:ext cx="481353" cy="277993"/>
+              <a:off x="106425" y="208097"/>
+              <a:ext cx="481355" cy="277993"/>
             </a:xfrm>
             <a:prstGeom prst="rect">
               <a:avLst/>
@@ -19755,7 +19646,7 @@
             <a:p>
               <a:pPr/>
               <a:r>
-                <a:t>MIA</a:t>
+                <a:t>NYC</a:t>
               </a:r>
             </a:p>
           </p:txBody>
@@ -19763,28 +19654,28 @@
       </p:grpSp>
       <p:grpSp>
         <p:nvGrpSpPr>
-          <p:cNvPr id="251" name="HOU"/>
+          <p:cNvPr id="249" name="MIA"/>
           <p:cNvGrpSpPr/>
           <p:nvPr/>
         </p:nvGrpSpPr>
         <p:grpSpPr>
           <a:xfrm>
-            <a:off x="2765178" y="3778428"/>
-            <a:ext cx="694213" cy="694211"/>
+            <a:off x="3870696" y="2683303"/>
+            <a:ext cx="694219" cy="694213"/>
             <a:chOff x="0" y="0"/>
-            <a:chExt cx="694211" cy="694210"/>
+            <a:chExt cx="694217" cy="694211"/>
           </a:xfrm>
         </p:grpSpPr>
         <p:sp>
           <p:nvSpPr>
-            <p:cNvPr id="249" name="Circle"/>
+            <p:cNvPr id="247" name="Circle"/>
             <p:cNvSpPr/>
             <p:nvPr/>
           </p:nvSpPr>
           <p:spPr>
             <a:xfrm>
               <a:off x="-1" y="-1"/>
-              <a:ext cx="694212" cy="694211"/>
+              <a:ext cx="694219" cy="694212"/>
             </a:xfrm>
             <a:prstGeom prst="ellipse">
               <a:avLst/>
@@ -19837,14 +19728,14 @@
         </p:sp>
         <p:sp>
           <p:nvSpPr>
-            <p:cNvPr id="250" name="HOU"/>
+            <p:cNvPr id="248" name="MIA"/>
             <p:cNvSpPr txBox="1"/>
             <p:nvPr/>
           </p:nvSpPr>
           <p:spPr>
             <a:xfrm>
-              <a:off x="106425" y="208097"/>
-              <a:ext cx="481353" cy="277993"/>
+              <a:off x="106427" y="208097"/>
+              <a:ext cx="481355" cy="277993"/>
             </a:xfrm>
             <a:prstGeom prst="rect">
               <a:avLst/>
@@ -19877,148 +19768,36 @@
             <a:p>
               <a:pPr/>
               <a:r>
-                <a:t>HOU</a:t>
+                <a:t>MIA</a:t>
               </a:r>
             </a:p>
           </p:txBody>
         </p:sp>
       </p:grpSp>
-      <p:sp>
-        <p:nvSpPr>
-          <p:cNvPr id="252" name="Line"/>
-          <p:cNvSpPr/>
-          <p:nvPr/>
-        </p:nvSpPr>
-        <p:spPr>
-          <a:xfrm flipV="1">
-            <a:off x="2241618" y="2145980"/>
-            <a:ext cx="587106" cy="613361"/>
-          </a:xfrm>
-          <a:prstGeom prst="line">
-            <a:avLst/>
-          </a:prstGeom>
-          <a:ln w="25400">
-            <a:solidFill>
-              <a:srgbClr val="000000"/>
-            </a:solidFill>
-          </a:ln>
-        </p:spPr>
-        <p:txBody>
-          <a:bodyPr lIns="45718" tIns="45718" rIns="45718" bIns="45718"/>
-          <a:lstStyle/>
-          <a:p>
-            <a:pPr/>
-          </a:p>
-        </p:txBody>
-      </p:sp>
-      <p:sp>
-        <p:nvSpPr>
-          <p:cNvPr id="253" name="Line"/>
-          <p:cNvSpPr/>
-          <p:nvPr/>
-        </p:nvSpPr>
-        <p:spPr>
-          <a:xfrm flipV="1">
-            <a:off x="3100750" y="2278133"/>
-            <a:ext cx="20531" cy="1500050"/>
-          </a:xfrm>
-          <a:prstGeom prst="line">
-            <a:avLst/>
-          </a:prstGeom>
-          <a:ln w="25400">
-            <a:solidFill>
-              <a:srgbClr val="000000"/>
-            </a:solidFill>
-          </a:ln>
-        </p:spPr>
-        <p:txBody>
-          <a:bodyPr lIns="45718" tIns="45718" rIns="45718" bIns="45718"/>
-          <a:lstStyle/>
-          <a:p>
-            <a:pPr/>
-          </a:p>
-        </p:txBody>
-      </p:sp>
-      <p:sp>
-        <p:nvSpPr>
-          <p:cNvPr id="254" name="Line"/>
-          <p:cNvSpPr/>
-          <p:nvPr/>
-        </p:nvSpPr>
-        <p:spPr>
-          <a:xfrm flipV="1">
-            <a:off x="3366160" y="3283158"/>
-            <a:ext cx="610074" cy="613361"/>
-          </a:xfrm>
-          <a:prstGeom prst="line">
-            <a:avLst/>
-          </a:prstGeom>
-          <a:ln w="25400">
-            <a:solidFill>
-              <a:srgbClr val="000000"/>
-            </a:solidFill>
-          </a:ln>
-        </p:spPr>
-        <p:txBody>
-          <a:bodyPr lIns="45718" tIns="45718" rIns="45718" bIns="45718"/>
-          <a:lstStyle/>
-          <a:p>
-            <a:pPr/>
-          </a:p>
-        </p:txBody>
-      </p:sp>
-      <p:sp>
-        <p:nvSpPr>
-          <p:cNvPr id="255" name="Line"/>
-          <p:cNvSpPr/>
-          <p:nvPr/>
-        </p:nvSpPr>
-        <p:spPr>
-          <a:xfrm flipH="1" flipV="1">
-            <a:off x="2362192" y="3030408"/>
-            <a:ext cx="1500189" cy="9"/>
-          </a:xfrm>
-          <a:prstGeom prst="line">
-            <a:avLst/>
-          </a:prstGeom>
-          <a:ln w="25400">
-            <a:solidFill>
-              <a:srgbClr val="000000"/>
-            </a:solidFill>
-          </a:ln>
-        </p:spPr>
-        <p:txBody>
-          <a:bodyPr lIns="45718" tIns="45718" rIns="45718" bIns="45718"/>
-          <a:lstStyle/>
-          <a:p>
-            <a:pPr/>
-          </a:p>
-        </p:txBody>
-      </p:sp>
       <p:grpSp>
         <p:nvGrpSpPr>
-          <p:cNvPr id="258" name="LAX"/>
+          <p:cNvPr id="252" name="HOU"/>
           <p:cNvGrpSpPr/>
           <p:nvPr/>
         </p:nvGrpSpPr>
         <p:grpSpPr>
           <a:xfrm>
-            <a:off x="7627089" y="2688089"/>
-            <a:ext cx="694211" cy="694211"/>
-            <a:chOff x="0" y="0"/>
-            <a:chExt cx="694210" cy="694210"/>
+            <a:off x="2765176" y="3778426"/>
+            <a:ext cx="694215" cy="694213"/>
+            <a:chOff x="-1" y="0"/>
+            <a:chExt cx="694214" cy="694211"/>
           </a:xfrm>
         </p:grpSpPr>
         <p:sp>
           <p:nvSpPr>
-            <p:cNvPr id="256" name="Circle"/>
+            <p:cNvPr id="250" name="Circle"/>
             <p:cNvSpPr/>
             <p:nvPr/>
           </p:nvSpPr>
           <p:spPr>
             <a:xfrm>
-              <a:off x="-1" y="-1"/>
-              <a:ext cx="694211" cy="694211"/>
+              <a:off x="-2" y="-1"/>
+              <a:ext cx="694216" cy="694212"/>
             </a:xfrm>
             <a:prstGeom prst="ellipse">
               <a:avLst/>
@@ -20071,14 +19850,14 @@
         </p:sp>
         <p:sp>
           <p:nvSpPr>
-            <p:cNvPr id="257" name="LAX"/>
+            <p:cNvPr id="251" name="HOU"/>
             <p:cNvSpPr txBox="1"/>
             <p:nvPr/>
           </p:nvSpPr>
           <p:spPr>
             <a:xfrm>
               <a:off x="106425" y="208097"/>
-              <a:ext cx="481352" cy="277993"/>
+              <a:ext cx="481355" cy="277993"/>
             </a:xfrm>
             <a:prstGeom prst="rect">
               <a:avLst/>
@@ -20111,36 +19890,148 @@
             <a:p>
               <a:pPr/>
               <a:r>
-                <a:t>LA</a:t>
+                <a:t>HOU</a:t>
               </a:r>
             </a:p>
           </p:txBody>
         </p:sp>
       </p:grpSp>
+      <p:sp>
+        <p:nvSpPr>
+          <p:cNvPr id="253" name="Line"/>
+          <p:cNvSpPr/>
+          <p:nvPr/>
+        </p:nvSpPr>
+        <p:spPr>
+          <a:xfrm flipV="1">
+            <a:off x="2241618" y="2145980"/>
+            <a:ext cx="587107" cy="613362"/>
+          </a:xfrm>
+          <a:prstGeom prst="line">
+            <a:avLst/>
+          </a:prstGeom>
+          <a:ln w="25400">
+            <a:solidFill>
+              <a:srgbClr val="000000"/>
+            </a:solidFill>
+          </a:ln>
+        </p:spPr>
+        <p:txBody>
+          <a:bodyPr lIns="45718" tIns="45718" rIns="45718" bIns="45718"/>
+          <a:lstStyle/>
+          <a:p>
+            <a:pPr/>
+          </a:p>
+        </p:txBody>
+      </p:sp>
+      <p:sp>
+        <p:nvSpPr>
+          <p:cNvPr id="254" name="Line"/>
+          <p:cNvSpPr/>
+          <p:nvPr/>
+        </p:nvSpPr>
+        <p:spPr>
+          <a:xfrm flipV="1">
+            <a:off x="3100750" y="2278133"/>
+            <a:ext cx="20532" cy="1500051"/>
+          </a:xfrm>
+          <a:prstGeom prst="line">
+            <a:avLst/>
+          </a:prstGeom>
+          <a:ln w="25400">
+            <a:solidFill>
+              <a:srgbClr val="000000"/>
+            </a:solidFill>
+          </a:ln>
+        </p:spPr>
+        <p:txBody>
+          <a:bodyPr lIns="45718" tIns="45718" rIns="45718" bIns="45718"/>
+          <a:lstStyle/>
+          <a:p>
+            <a:pPr/>
+          </a:p>
+        </p:txBody>
+      </p:sp>
+      <p:sp>
+        <p:nvSpPr>
+          <p:cNvPr id="255" name="Line"/>
+          <p:cNvSpPr/>
+          <p:nvPr/>
+        </p:nvSpPr>
+        <p:spPr>
+          <a:xfrm flipV="1">
+            <a:off x="3366160" y="3283158"/>
+            <a:ext cx="610075" cy="613362"/>
+          </a:xfrm>
+          <a:prstGeom prst="line">
+            <a:avLst/>
+          </a:prstGeom>
+          <a:ln w="25400">
+            <a:solidFill>
+              <a:srgbClr val="000000"/>
+            </a:solidFill>
+          </a:ln>
+        </p:spPr>
+        <p:txBody>
+          <a:bodyPr lIns="45718" tIns="45718" rIns="45718" bIns="45718"/>
+          <a:lstStyle/>
+          <a:p>
+            <a:pPr/>
+          </a:p>
+        </p:txBody>
+      </p:sp>
+      <p:sp>
+        <p:nvSpPr>
+          <p:cNvPr id="256" name="Line"/>
+          <p:cNvSpPr/>
+          <p:nvPr/>
+        </p:nvSpPr>
+        <p:spPr>
+          <a:xfrm flipH="1" flipV="1">
+            <a:off x="2362192" y="3030408"/>
+            <a:ext cx="1500190" cy="10"/>
+          </a:xfrm>
+          <a:prstGeom prst="line">
+            <a:avLst/>
+          </a:prstGeom>
+          <a:ln w="25400">
+            <a:solidFill>
+              <a:srgbClr val="000000"/>
+            </a:solidFill>
+          </a:ln>
+        </p:spPr>
+        <p:txBody>
+          <a:bodyPr lIns="45718" tIns="45718" rIns="45718" bIns="45718"/>
+          <a:lstStyle/>
+          <a:p>
+            <a:pPr/>
+          </a:p>
+        </p:txBody>
+      </p:sp>
       <p:grpSp>
         <p:nvGrpSpPr>
-          <p:cNvPr id="261" name="JFK"/>
+          <p:cNvPr id="259" name="LAX"/>
           <p:cNvGrpSpPr/>
           <p:nvPr/>
         </p:nvGrpSpPr>
         <p:grpSpPr>
           <a:xfrm>
-            <a:off x="8723341" y="1583394"/>
-            <a:ext cx="694211" cy="694211"/>
+            <a:off x="7627087" y="2688088"/>
+            <a:ext cx="694213" cy="694212"/>
             <a:chOff x="0" y="0"/>
-            <a:chExt cx="694210" cy="694210"/>
+            <a:chExt cx="694211" cy="694211"/>
           </a:xfrm>
         </p:grpSpPr>
         <p:sp>
           <p:nvSpPr>
-            <p:cNvPr id="259" name="Circle"/>
+            <p:cNvPr id="257" name="Circle"/>
             <p:cNvSpPr/>
             <p:nvPr/>
           </p:nvSpPr>
           <p:spPr>
             <a:xfrm>
               <a:off x="-1" y="-1"/>
-              <a:ext cx="694211" cy="694211"/>
+              <a:ext cx="694212" cy="694212"/>
             </a:xfrm>
             <a:prstGeom prst="ellipse">
               <a:avLst/>
@@ -20193,14 +20084,14 @@
         </p:sp>
         <p:sp>
           <p:nvSpPr>
-            <p:cNvPr id="260" name="JFK"/>
+            <p:cNvPr id="258" name="LAX"/>
             <p:cNvSpPr txBox="1"/>
             <p:nvPr/>
           </p:nvSpPr>
           <p:spPr>
             <a:xfrm>
               <a:off x="106425" y="208097"/>
-              <a:ext cx="481352" cy="277993"/>
+              <a:ext cx="481353" cy="277993"/>
             </a:xfrm>
             <a:prstGeom prst="rect">
               <a:avLst/>
@@ -20233,7 +20124,7 @@
             <a:p>
               <a:pPr/>
               <a:r>
-                <a:t>NYC</a:t>
+                <a:t>LA</a:t>
               </a:r>
             </a:p>
           </p:txBody>
@@ -20241,28 +20132,28 @@
       </p:grpSp>
       <p:grpSp>
         <p:nvGrpSpPr>
-          <p:cNvPr id="264" name="MIA"/>
+          <p:cNvPr id="262" name="JFK"/>
           <p:cNvGrpSpPr/>
           <p:nvPr/>
         </p:nvGrpSpPr>
         <p:grpSpPr>
           <a:xfrm>
-            <a:off x="9828864" y="2688088"/>
-            <a:ext cx="694211" cy="694215"/>
-            <a:chOff x="0" y="-1"/>
-            <a:chExt cx="694210" cy="694214"/>
+            <a:off x="8723340" y="1583392"/>
+            <a:ext cx="694213" cy="694213"/>
+            <a:chOff x="0" y="0"/>
+            <a:chExt cx="694211" cy="694211"/>
           </a:xfrm>
         </p:grpSpPr>
         <p:sp>
           <p:nvSpPr>
-            <p:cNvPr id="262" name="Circle"/>
+            <p:cNvPr id="260" name="Circle"/>
             <p:cNvSpPr/>
             <p:nvPr/>
           </p:nvSpPr>
           <p:spPr>
             <a:xfrm>
-              <a:off x="-1" y="-2"/>
-              <a:ext cx="694211" cy="694216"/>
+              <a:off x="-1" y="-1"/>
+              <a:ext cx="694212" cy="694212"/>
             </a:xfrm>
             <a:prstGeom prst="ellipse">
               <a:avLst/>
@@ -20315,14 +20206,14 @@
         </p:sp>
         <p:sp>
           <p:nvSpPr>
-            <p:cNvPr id="263" name="MIA"/>
+            <p:cNvPr id="261" name="JFK"/>
             <p:cNvSpPr txBox="1"/>
             <p:nvPr/>
           </p:nvSpPr>
           <p:spPr>
             <a:xfrm>
-              <a:off x="106425" y="208098"/>
-              <a:ext cx="481351" cy="277993"/>
+              <a:off x="106425" y="208097"/>
+              <a:ext cx="481353" cy="277993"/>
             </a:xfrm>
             <a:prstGeom prst="rect">
               <a:avLst/>
@@ -20355,7 +20246,7 @@
             <a:p>
               <a:pPr/>
               <a:r>
-                <a:t>MIA</a:t>
+                <a:t>NYC</a:t>
               </a:r>
             </a:p>
           </p:txBody>
@@ -20363,28 +20254,28 @@
       </p:grpSp>
       <p:grpSp>
         <p:nvGrpSpPr>
-          <p:cNvPr id="267" name="HOU"/>
+          <p:cNvPr id="265" name="MIA"/>
           <p:cNvGrpSpPr/>
           <p:nvPr/>
         </p:nvGrpSpPr>
         <p:grpSpPr>
           <a:xfrm>
-            <a:off x="8723341" y="3783213"/>
-            <a:ext cx="694211" cy="694211"/>
+            <a:off x="9828862" y="2688087"/>
+            <a:ext cx="694213" cy="694219"/>
             <a:chOff x="0" y="0"/>
-            <a:chExt cx="694210" cy="694210"/>
+            <a:chExt cx="694211" cy="694217"/>
           </a:xfrm>
         </p:grpSpPr>
         <p:sp>
           <p:nvSpPr>
-            <p:cNvPr id="265" name="Circle"/>
+            <p:cNvPr id="263" name="Circle"/>
             <p:cNvSpPr/>
             <p:nvPr/>
           </p:nvSpPr>
           <p:spPr>
             <a:xfrm>
               <a:off x="-1" y="-1"/>
-              <a:ext cx="694211" cy="694211"/>
+              <a:ext cx="694212" cy="694218"/>
             </a:xfrm>
             <a:prstGeom prst="ellipse">
               <a:avLst/>
@@ -20437,14 +20328,136 @@
         </p:sp>
         <p:sp>
           <p:nvSpPr>
-            <p:cNvPr id="266" name="HOU"/>
+            <p:cNvPr id="264" name="MIA"/>
+            <p:cNvSpPr txBox="1"/>
+            <p:nvPr/>
+          </p:nvSpPr>
+          <p:spPr>
+            <a:xfrm>
+              <a:off x="106425" y="208099"/>
+              <a:ext cx="481352" cy="277993"/>
+            </a:xfrm>
+            <a:prstGeom prst="rect">
+              <a:avLst/>
+            </a:prstGeom>
+            <a:noFill/>
+            <a:ln w="12700" cap="flat">
+              <a:noFill/>
+              <a:miter lim="400000"/>
+            </a:ln>
+            <a:effectLst/>
+            <a:extLst>
+              <a:ext uri="{C572A759-6A51-4108-AA02-DFA0A04FC94B}">
+                <ma14:wrappingTextBoxFlag xmlns:ma14="http://schemas.microsoft.com/office/mac/drawingml/2011/main" val="1"/>
+              </a:ext>
+            </a:extLst>
+          </p:spPr>
+          <p:txBody>
+            <a:bodyPr wrap="square" lIns="45718" tIns="45718" rIns="45718" bIns="45718" numCol="1" anchor="ctr">
+              <a:spAutoFit/>
+            </a:bodyPr>
+            <a:lstStyle>
+              <a:lvl1pPr algn="ctr">
+                <a:defRPr sz="1500">
+                  <a:solidFill>
+                    <a:srgbClr val="FFFFFF"/>
+                  </a:solidFill>
+                </a:defRPr>
+              </a:lvl1pPr>
+            </a:lstStyle>
+            <a:p>
+              <a:pPr/>
+              <a:r>
+                <a:t>MIA</a:t>
+              </a:r>
+            </a:p>
+          </p:txBody>
+        </p:sp>
+      </p:grpSp>
+      <p:grpSp>
+        <p:nvGrpSpPr>
+          <p:cNvPr id="268" name="HOU"/>
+          <p:cNvGrpSpPr/>
+          <p:nvPr/>
+        </p:nvGrpSpPr>
+        <p:grpSpPr>
+          <a:xfrm>
+            <a:off x="8723340" y="3783211"/>
+            <a:ext cx="694213" cy="694213"/>
+            <a:chOff x="0" y="0"/>
+            <a:chExt cx="694211" cy="694211"/>
+          </a:xfrm>
+        </p:grpSpPr>
+        <p:sp>
+          <p:nvSpPr>
+            <p:cNvPr id="266" name="Circle"/>
+            <p:cNvSpPr/>
+            <p:nvPr/>
+          </p:nvSpPr>
+          <p:spPr>
+            <a:xfrm>
+              <a:off x="-1" y="-1"/>
+              <a:ext cx="694212" cy="694212"/>
+            </a:xfrm>
+            <a:prstGeom prst="ellipse">
+              <a:avLst/>
+            </a:prstGeom>
+            <a:gradFill flip="none" rotWithShape="1">
+              <a:gsLst>
+                <a:gs pos="0">
+                  <a:srgbClr val="1287F6"/>
+                </a:gs>
+                <a:gs pos="100000">
+                  <a:schemeClr val="accent5">
+                    <a:hueOff val="329330"/>
+                    <a:satOff val="40776"/>
+                    <a:lumOff val="24655"/>
+                  </a:schemeClr>
+                </a:gs>
+              </a:gsLst>
+              <a:lin ang="16976440" scaled="0"/>
+            </a:gradFill>
+            <a:ln w="9525" cap="flat">
+              <a:solidFill>
+                <a:srgbClr val="4F80EF"/>
+              </a:solidFill>
+              <a:prstDash val="solid"/>
+              <a:round/>
+            </a:ln>
+            <a:effectLst>
+              <a:outerShdw sx="100000" sy="100000" kx="0" ky="0" algn="b" rotWithShape="0" blurRad="63500" dist="25400" dir="5400000">
+                <a:srgbClr val="000000">
+                  <a:alpha val="50000"/>
+                </a:srgbClr>
+              </a:outerShdw>
+            </a:effectLst>
+          </p:spPr>
+          <p:txBody>
+            <a:bodyPr wrap="square" lIns="45718" tIns="45718" rIns="45718" bIns="45718" numCol="1" anchor="ctr">
+              <a:noAutofit/>
+            </a:bodyPr>
+            <a:lstStyle/>
+            <a:p>
+              <a:pPr algn="ctr">
+                <a:defRPr>
+                  <a:solidFill>
+                    <a:srgbClr val="FFFFFF"/>
+                  </a:solidFill>
+                </a:defRPr>
+              </a:pPr>
+            </a:p>
+          </p:txBody>
+        </p:sp>
+        <p:sp>
+          <p:nvSpPr>
+            <p:cNvPr id="267" name="HOU"/>
             <p:cNvSpPr txBox="1"/>
             <p:nvPr/>
           </p:nvSpPr>
           <p:spPr>
             <a:xfrm>
               <a:off x="106425" y="208097"/>
-              <a:ext cx="481352" cy="277993"/>
+              <a:ext cx="481353" cy="277993"/>
             </a:xfrm>
             <a:prstGeom prst="rect">
               <a:avLst/>
@@ -20485,14 +20498,14 @@
       </p:grpSp>
       <p:sp>
         <p:nvSpPr>
-          <p:cNvPr id="268" name="Line"/>
+          <p:cNvPr id="269" name="Line"/>
           <p:cNvSpPr/>
           <p:nvPr/>
         </p:nvSpPr>
         <p:spPr>
           <a:xfrm flipV="1">
             <a:off x="8199783" y="2150765"/>
-            <a:ext cx="587106" cy="613361"/>
+            <a:ext cx="587107" cy="613362"/>
           </a:xfrm>
           <a:prstGeom prst="line">
             <a:avLst/>
@@ -20513,14 +20526,14 @@
       </p:sp>
       <p:sp>
         <p:nvSpPr>
-          <p:cNvPr id="269" name="Line"/>
+          <p:cNvPr id="270" name="Line"/>
           <p:cNvSpPr/>
           <p:nvPr/>
         </p:nvSpPr>
         <p:spPr>
           <a:xfrm flipV="1">
             <a:off x="9058912" y="2282917"/>
-            <a:ext cx="20531" cy="1500050"/>
+            <a:ext cx="20532" cy="1500051"/>
           </a:xfrm>
           <a:prstGeom prst="line">
             <a:avLst/>
@@ -20541,14 +20554,14 @@
       </p:sp>
       <p:sp>
         <p:nvSpPr>
-          <p:cNvPr id="270" name="Line"/>
+          <p:cNvPr id="271" name="Line"/>
           <p:cNvSpPr/>
           <p:nvPr/>
         </p:nvSpPr>
         <p:spPr>
           <a:xfrm flipV="1">
             <a:off x="9324326" y="3287943"/>
-            <a:ext cx="610074" cy="613362"/>
+            <a:ext cx="610075" cy="613363"/>
           </a:xfrm>
           <a:prstGeom prst="line">
             <a:avLst/>
@@ -20569,14 +20582,14 @@
       </p:sp>
       <p:sp>
         <p:nvSpPr>
-          <p:cNvPr id="271" name="Line"/>
+          <p:cNvPr id="272" name="Line"/>
           <p:cNvSpPr/>
           <p:nvPr/>
         </p:nvSpPr>
         <p:spPr>
           <a:xfrm flipH="1" flipV="1">
             <a:off x="8320354" y="3035193"/>
-            <a:ext cx="1500189" cy="9"/>
+            <a:ext cx="1500190" cy="10"/>
           </a:xfrm>
           <a:prstGeom prst="line">
             <a:avLst/>
@@ -20597,14 +20610,14 @@
       </p:sp>
       <p:sp>
         <p:nvSpPr>
-          <p:cNvPr id="272" name="Line"/>
+          <p:cNvPr id="273" name="Line"/>
           <p:cNvSpPr/>
           <p:nvPr/>
         </p:nvSpPr>
         <p:spPr>
           <a:xfrm flipH="1" flipV="1">
             <a:off x="9352336" y="2145980"/>
-            <a:ext cx="604907" cy="612610"/>
+            <a:ext cx="604908" cy="612611"/>
           </a:xfrm>
           <a:prstGeom prst="line">
             <a:avLst/>
@@ -20625,7 +20638,7 @@
       </p:sp>
       <p:sp>
         <p:nvSpPr>
-          <p:cNvPr id="273" name="1.74"/>
+          <p:cNvPr id="274" name="1.74"/>
           <p:cNvSpPr txBox="1"/>
           <p:nvPr/>
         </p:nvSpPr>
@@ -20672,14 +20685,14 @@
       </p:sp>
       <p:sp>
         <p:nvSpPr>
-          <p:cNvPr id="274" name="Line"/>
+          <p:cNvPr id="275" name="Line"/>
           <p:cNvSpPr/>
           <p:nvPr/>
         </p:nvSpPr>
         <p:spPr>
           <a:xfrm flipH="1" flipV="1">
             <a:off x="8182122" y="3305659"/>
-            <a:ext cx="604907" cy="612612"/>
+            <a:ext cx="604908" cy="612613"/>
           </a:xfrm>
           <a:prstGeom prst="line">
             <a:avLst/>
@@ -20700,7 +20713,7 @@
       </p:sp>
       <p:sp>
         <p:nvSpPr>
-          <p:cNvPr id="275" name="1.74"/>
+          <p:cNvPr id="276" name="1.74"/>
           <p:cNvSpPr txBox="1"/>
           <p:nvPr/>
         </p:nvSpPr>
@@ -20747,14 +20760,14 @@
       </p:sp>
       <p:sp>
         <p:nvSpPr>
-          <p:cNvPr id="276" name="Line"/>
+          <p:cNvPr id="277" name="Line"/>
           <p:cNvSpPr/>
           <p:nvPr/>
         </p:nvSpPr>
         <p:spPr>
           <a:xfrm>
             <a:off x="5168212" y="3030409"/>
-            <a:ext cx="1846312" cy="7"/>
+            <a:ext cx="1846312" cy="8"/>
           </a:xfrm>
           <a:prstGeom prst="line">
             <a:avLst/>
@@ -20776,28 +20789,28 @@
       </p:sp>
       <p:grpSp>
         <p:nvGrpSpPr>
-          <p:cNvPr id="279" name="Traveling Salesman"/>
+          <p:cNvPr id="280" name="Traveling Salesman"/>
           <p:cNvGrpSpPr/>
           <p:nvPr/>
         </p:nvGrpSpPr>
         <p:grpSpPr>
           <a:xfrm>
-            <a:off x="8243151" y="5029548"/>
-            <a:ext cx="1654590" cy="903729"/>
-            <a:chOff x="0" y="0"/>
-            <a:chExt cx="1654588" cy="903727"/>
+            <a:off x="8243149" y="5029548"/>
+            <a:ext cx="1654593" cy="903732"/>
+            <a:chOff x="-1" y="0"/>
+            <a:chExt cx="1654591" cy="903730"/>
           </a:xfrm>
         </p:grpSpPr>
         <p:sp>
           <p:nvSpPr>
-            <p:cNvPr id="277" name="Rectangle"/>
+            <p:cNvPr id="278" name="Rectangle"/>
             <p:cNvSpPr/>
             <p:nvPr/>
           </p:nvSpPr>
           <p:spPr>
             <a:xfrm>
-              <a:off x="-1" y="0"/>
-              <a:ext cx="1654589" cy="903729"/>
+              <a:off x="-2" y="0"/>
+              <a:ext cx="1654592" cy="903732"/>
             </a:xfrm>
             <a:prstGeom prst="rect">
               <a:avLst/>
@@ -20832,14 +20845,14 @@
         </p:sp>
         <p:sp>
           <p:nvSpPr>
-            <p:cNvPr id="278" name="Traveling Salesman"/>
+            <p:cNvPr id="279" name="Traveling Salesman"/>
             <p:cNvSpPr txBox="1"/>
             <p:nvPr/>
           </p:nvSpPr>
           <p:spPr>
             <a:xfrm>
-              <a:off x="4762" y="139267"/>
-              <a:ext cx="1645063" cy="625184"/>
+              <a:off x="4761" y="139267"/>
+              <a:ext cx="1645067" cy="625184"/>
             </a:xfrm>
             <a:prstGeom prst="rect">
               <a:avLst/>
@@ -20880,7 +20893,7 @@
       </p:grpSp>
       <p:sp>
         <p:nvSpPr>
-          <p:cNvPr id="280" name="Text"/>
+          <p:cNvPr id="281" name="Text"/>
           <p:cNvSpPr txBox="1"/>
           <p:nvPr/>
         </p:nvSpPr>
@@ -20942,7 +20955,7 @@
       </p:sp>
       <p:sp>
         <p:nvSpPr>
-          <p:cNvPr id="281" name="2.475"/>
+          <p:cNvPr id="282" name="2.475"/>
           <p:cNvSpPr txBox="1"/>
           <p:nvPr/>
         </p:nvSpPr>
@@ -20978,7 +20991,7 @@
       </p:sp>
       <p:sp>
         <p:nvSpPr>
-          <p:cNvPr id="282" name="1.1"/>
+          <p:cNvPr id="283" name="1.1"/>
           <p:cNvSpPr txBox="1"/>
           <p:nvPr/>
         </p:nvSpPr>
@@ -21014,7 +21027,7 @@
       </p:sp>
       <p:sp>
         <p:nvSpPr>
-          <p:cNvPr id="283" name="1.74"/>
+          <p:cNvPr id="284" name="1.74"/>
           <p:cNvSpPr txBox="1"/>
           <p:nvPr/>
         </p:nvSpPr>
@@ -21050,7 +21063,7 @@
       </p:sp>
       <p:sp>
         <p:nvSpPr>
-          <p:cNvPr id="284" name="2.342"/>
+          <p:cNvPr id="285" name="2.342"/>
           <p:cNvSpPr txBox="1"/>
           <p:nvPr/>
         </p:nvSpPr>
@@ -21086,7 +21099,7 @@
       </p:sp>
       <p:sp>
         <p:nvSpPr>
-          <p:cNvPr id="285" name="2.475"/>
+          <p:cNvPr id="286" name="2.475"/>
           <p:cNvSpPr txBox="1"/>
           <p:nvPr/>
         </p:nvSpPr>
@@ -21122,7 +21135,7 @@
       </p:sp>
       <p:sp>
         <p:nvSpPr>
-          <p:cNvPr id="286" name="1.1"/>
+          <p:cNvPr id="287" name="1.1"/>
           <p:cNvSpPr txBox="1"/>
           <p:nvPr/>
         </p:nvSpPr>
@@ -21158,7 +21171,7 @@
       </p:sp>
       <p:sp>
         <p:nvSpPr>
-          <p:cNvPr id="287" name="1.74"/>
+          <p:cNvPr id="288" name="1.74"/>
           <p:cNvSpPr txBox="1"/>
           <p:nvPr/>
         </p:nvSpPr>
@@ -21194,7 +21207,7 @@
       </p:sp>
       <p:sp>
         <p:nvSpPr>
-          <p:cNvPr id="288" name="2.342"/>
+          <p:cNvPr id="289" name="2.342"/>
           <p:cNvSpPr txBox="1"/>
           <p:nvPr/>
         </p:nvSpPr>
@@ -21256,7 +21269,7 @@
       </p:grpSpPr>
       <p:sp>
         <p:nvSpPr>
-          <p:cNvPr id="290" name="Title 1"/>
+          <p:cNvPr id="291" name="Title 1"/>
           <p:cNvSpPr txBox="1"/>
           <p:nvPr>
             <p:ph type="title"/>
@@ -21284,7 +21297,7 @@
       </p:sp>
       <p:pic>
         <p:nvPicPr>
-          <p:cNvPr id="291" name="Screenshot 2025-11-26 at 4.34.41 PM.png" descr="Screenshot 2025-11-26 at 4.34.41 PM.png"/>
+          <p:cNvPr id="292" name="Screenshot 2025-11-26 at 4.34.41 PM.png" descr="Screenshot 2025-11-26 at 4.34.41 PM.png"/>
           <p:cNvPicPr>
             <a:picLocks noChangeAspect="1"/>
           </p:cNvPicPr>
@@ -21302,7 +21315,7 @@
         <p:spPr>
           <a:xfrm>
             <a:off x="2548926" y="2202406"/>
-            <a:ext cx="7094336" cy="2161862"/>
+            <a:ext cx="7094336" cy="2161863"/>
           </a:xfrm>
           <a:prstGeom prst="rect">
             <a:avLst/>
@@ -21314,7 +21327,7 @@
       </p:pic>
       <p:sp>
         <p:nvSpPr>
-          <p:cNvPr id="292" name="Equation"/>
+          <p:cNvPr id="293" name="Equation"/>
           <p:cNvSpPr txBox="1"/>
           <p:nvPr/>
         </p:nvSpPr>
@@ -21429,7 +21442,7 @@
       </p:grpSpPr>
       <p:pic>
         <p:nvPicPr>
-          <p:cNvPr id="294" name="Screenshot 2025-11-26 at 5.28.10 PM.png" descr="Screenshot 2025-11-26 at 5.28.10 PM.png"/>
+          <p:cNvPr id="295" name="Screenshot 2025-11-26 at 5.28.10 PM.png" descr="Screenshot 2025-11-26 at 5.28.10 PM.png"/>
           <p:cNvPicPr>
             <a:picLocks noChangeAspect="1"/>
           </p:cNvPicPr>
@@ -21458,7 +21471,7 @@
       </p:pic>
       <p:sp>
         <p:nvSpPr>
-          <p:cNvPr id="295" name="Equation"/>
+          <p:cNvPr id="296" name="Equation"/>
           <p:cNvSpPr txBox="1"/>
           <p:nvPr/>
         </p:nvSpPr>
@@ -21559,7 +21572,7 @@
       </p:sp>
       <p:sp>
         <p:nvSpPr>
-          <p:cNvPr id="296" name="Title 1"/>
+          <p:cNvPr id="297" name="Title 1"/>
           <p:cNvSpPr txBox="1"/>
           <p:nvPr/>
         </p:nvSpPr>
@@ -21640,7 +21653,7 @@
       </p:grpSpPr>
       <p:sp>
         <p:nvSpPr>
-          <p:cNvPr id="298" name="Title 1"/>
+          <p:cNvPr id="299" name="Title 1"/>
           <p:cNvSpPr txBox="1"/>
           <p:nvPr>
             <p:ph type="title"/>
@@ -21668,7 +21681,7 @@
       </p:sp>
       <p:pic>
         <p:nvPicPr>
-          <p:cNvPr id="299" name="Screenshot 2025-12-02 at 9.44.47 PM.png" descr="Screenshot 2025-12-02 at 9.44.47 PM.png"/>
+          <p:cNvPr id="300" name="Screenshot 2025-12-02 at 9.44.47 PM.png" descr="Screenshot 2025-12-02 at 9.44.47 PM.png"/>
           <p:cNvPicPr>
             <a:picLocks noChangeAspect="1"/>
           </p:cNvPicPr>
@@ -21697,7 +21710,7 @@
       </p:pic>
       <p:pic>
         <p:nvPicPr>
-          <p:cNvPr id="300" name="Screenshot 2025-12-03 at 12.19.16 PM.png" descr="Screenshot 2025-12-03 at 12.19.16 PM.png"/>
+          <p:cNvPr id="301" name="Screenshot 2025-12-03 at 12.19.16 PM.png" descr="Screenshot 2025-12-03 at 12.19.16 PM.png"/>
           <p:cNvPicPr>
             <a:picLocks noChangeAspect="1"/>
           </p:cNvPicPr>
@@ -21714,7 +21727,7 @@
         <p:spPr>
           <a:xfrm>
             <a:off x="2350247" y="4111273"/>
-            <a:ext cx="7491508" cy="1462490"/>
+            <a:ext cx="7491508" cy="1462491"/>
           </a:xfrm>
           <a:prstGeom prst="rect">
             <a:avLst/>
@@ -21726,14 +21739,14 @@
       </p:pic>
       <p:sp>
         <p:nvSpPr>
-          <p:cNvPr id="301" name="generator.py"/>
+          <p:cNvPr id="302" name="generator.py"/>
           <p:cNvSpPr txBox="1"/>
           <p:nvPr/>
         </p:nvSpPr>
         <p:spPr>
           <a:xfrm>
             <a:off x="2354613" y="1390908"/>
-            <a:ext cx="1375167" cy="370837"/>
+            <a:ext cx="1375166" cy="370837"/>
           </a:xfrm>
           <a:prstGeom prst="rect">
             <a:avLst/>
@@ -21755,9 +21768,9 @@
           <a:p>
             <a:pPr lvl="5">
               <a:defRPr>
-                <a:latin typeface="+mj-lt"/>
-                <a:ea typeface="+mj-ea"/>
-                <a:cs typeface="+mj-cs"/>
+                <a:latin typeface="+mn-lt"/>
+                <a:ea typeface="+mn-ea"/>
+                <a:cs typeface="+mn-cs"/>
                 <a:sym typeface="Helvetica"/>
               </a:defRPr>
             </a:pPr>
@@ -21769,7 +21782,7 @@
       </p:sp>
       <p:sp>
         <p:nvSpPr>
-          <p:cNvPr id="302" name="run_tests.sh"/>
+          <p:cNvPr id="303" name="run_tests.sh"/>
           <p:cNvSpPr txBox="1"/>
           <p:nvPr/>
         </p:nvSpPr>
@@ -21797,9 +21810,9 @@
           <a:lstStyle>
             <a:lvl1pPr>
               <a:defRPr>
-                <a:latin typeface="+mj-lt"/>
-                <a:ea typeface="+mj-ea"/>
-                <a:cs typeface="+mj-cs"/>
+                <a:latin typeface="+mn-lt"/>
+                <a:ea typeface="+mn-ea"/>
+                <a:cs typeface="+mn-cs"/>
                 <a:sym typeface="Helvetica"/>
               </a:defRPr>
             </a:lvl1pPr>
@@ -21847,7 +21860,7 @@
       </p:grpSpPr>
       <p:sp>
         <p:nvSpPr>
-          <p:cNvPr id="304" name="Title 1"/>
+          <p:cNvPr id="305" name="Title 1"/>
           <p:cNvSpPr txBox="1"/>
           <p:nvPr>
             <p:ph type="title"/>
@@ -21875,7 +21888,7 @@
       </p:sp>
       <p:pic>
         <p:nvPicPr>
-          <p:cNvPr id="305" name="emperial.png" descr="emperial.png"/>
+          <p:cNvPr id="306" name="emperial.png" descr="emperial.png"/>
           <p:cNvPicPr>
             <a:picLocks noChangeAspect="1"/>
           </p:cNvPicPr>
@@ -21904,7 +21917,7 @@
       </p:pic>
       <p:sp>
         <p:nvSpPr>
-          <p:cNvPr id="306" name="Text"/>
+          <p:cNvPr id="307" name="Text"/>
           <p:cNvSpPr txBox="1"/>
           <p:nvPr/>
         </p:nvSpPr>
@@ -22053,7 +22066,7 @@
       </p:sp>
       <p:sp>
         <p:nvSpPr>
-          <p:cNvPr id="307" name="Text"/>
+          <p:cNvPr id="308" name="Text"/>
           <p:cNvSpPr txBox="1"/>
           <p:nvPr/>
         </p:nvSpPr>
@@ -22193,7 +22206,7 @@
       </p:sp>
       <p:sp>
         <p:nvSpPr>
-          <p:cNvPr id="308" name="Text"/>
+          <p:cNvPr id="309" name="Text"/>
           <p:cNvSpPr txBox="1"/>
           <p:nvPr/>
         </p:nvSpPr>
@@ -22333,7 +22346,7 @@
       </p:sp>
       <p:sp>
         <p:nvSpPr>
-          <p:cNvPr id="309" name="Text"/>
+          <p:cNvPr id="310" name="Text"/>
           <p:cNvSpPr txBox="1"/>
           <p:nvPr/>
         </p:nvSpPr>
@@ -22422,7 +22435,7 @@
       </p:sp>
       <p:sp>
         <p:nvSpPr>
-          <p:cNvPr id="310" name="Text"/>
+          <p:cNvPr id="311" name="Text"/>
           <p:cNvSpPr txBox="1"/>
           <p:nvPr/>
         </p:nvSpPr>
@@ -22511,7 +22524,7 @@
       </p:sp>
       <p:sp>
         <p:nvSpPr>
-          <p:cNvPr id="311" name="Text"/>
+          <p:cNvPr id="312" name="Text"/>
           <p:cNvSpPr txBox="1"/>
           <p:nvPr/>
         </p:nvSpPr>
@@ -22600,7 +22613,7 @@
       </p:sp>
       <p:sp>
         <p:nvSpPr>
-          <p:cNvPr id="312" name="Text"/>
+          <p:cNvPr id="313" name="Text"/>
           <p:cNvSpPr txBox="1"/>
           <p:nvPr/>
         </p:nvSpPr>
@@ -22689,7 +22702,7 @@
       </p:sp>
       <p:sp>
         <p:nvSpPr>
-          <p:cNvPr id="313" name="Text"/>
+          <p:cNvPr id="314" name="Text"/>
           <p:cNvSpPr txBox="1"/>
           <p:nvPr/>
         </p:nvSpPr>
@@ -22820,7 +22833,7 @@
       </p:sp>
       <p:sp>
         <p:nvSpPr>
-          <p:cNvPr id="314" name="Text"/>
+          <p:cNvPr id="315" name="Text"/>
           <p:cNvSpPr txBox="1"/>
           <p:nvPr/>
         </p:nvSpPr>
@@ -22993,14 +23006,14 @@
       </p:sp>
       <p:sp>
         <p:nvSpPr>
-          <p:cNvPr id="315" name="Line"/>
+          <p:cNvPr id="316" name="Line"/>
           <p:cNvSpPr/>
           <p:nvPr/>
         </p:nvSpPr>
         <p:spPr>
           <a:xfrm flipV="1">
             <a:off x="9232123" y="2526417"/>
-            <a:ext cx="4" cy="3038310"/>
+            <a:ext cx="5" cy="3038311"/>
           </a:xfrm>
           <a:prstGeom prst="line">
             <a:avLst/>
@@ -23021,7 +23034,7 @@
       </p:sp>
       <p:sp>
         <p:nvSpPr>
-          <p:cNvPr id="316" name="Text"/>
+          <p:cNvPr id="317" name="Text"/>
           <p:cNvSpPr txBox="1"/>
           <p:nvPr/>
         </p:nvSpPr>
@@ -23084,7 +23097,7 @@
       </p:sp>
       <p:sp>
         <p:nvSpPr>
-          <p:cNvPr id="317" name="Text"/>
+          <p:cNvPr id="318" name="Text"/>
           <p:cNvSpPr txBox="1"/>
           <p:nvPr/>
         </p:nvSpPr>
@@ -23147,14 +23160,14 @@
       </p:sp>
       <p:sp>
         <p:nvSpPr>
-          <p:cNvPr id="318" name="Line"/>
+          <p:cNvPr id="319" name="Line"/>
           <p:cNvSpPr/>
           <p:nvPr/>
         </p:nvSpPr>
         <p:spPr>
           <a:xfrm flipH="1" flipV="1">
             <a:off x="7393244" y="3173914"/>
-            <a:ext cx="3677759" cy="4"/>
+            <a:ext cx="3677759" cy="5"/>
           </a:xfrm>
           <a:prstGeom prst="line">
             <a:avLst/>
@@ -23225,14 +23238,14 @@
     </a:clrScheme>
     <a:fontScheme name="Custom">
       <a:majorFont>
+        <a:latin typeface="Calibri"/>
+        <a:ea typeface="Calibri"/>
+        <a:cs typeface="Calibri"/>
+      </a:majorFont>
+      <a:minorFont>
         <a:latin typeface="Helvetica"/>
         <a:ea typeface="Helvetica"/>
         <a:cs typeface="Helvetica"/>
-      </a:majorFont>
-      <a:minorFont>
-        <a:latin typeface="Calibri"/>
-        <a:ea typeface="Calibri"/>
-        <a:cs typeface="Calibri"/>
       </a:minorFont>
     </a:fontScheme>
     <a:fmtScheme name="Custom">
@@ -23413,9 +23426,9 @@
             </a:solidFill>
             <a:effectLst/>
             <a:uFillTx/>
-            <a:latin typeface="+mn-lt"/>
-            <a:ea typeface="+mn-ea"/>
-            <a:cs typeface="+mn-cs"/>
+            <a:latin typeface="+mj-lt"/>
+            <a:ea typeface="+mj-ea"/>
+            <a:cs typeface="+mj-cs"/>
             <a:sym typeface="Calibri"/>
           </a:defRPr>
         </a:defPPr>
@@ -23984,9 +23997,9 @@
             </a:solidFill>
             <a:effectLst/>
             <a:uFillTx/>
-            <a:latin typeface="+mn-lt"/>
-            <a:ea typeface="+mn-ea"/>
-            <a:cs typeface="+mn-cs"/>
+            <a:latin typeface="+mj-lt"/>
+            <a:ea typeface="+mj-ea"/>
+            <a:cs typeface="+mj-cs"/>
             <a:sym typeface="Calibri"/>
           </a:defRPr>
         </a:defPPr>
@@ -24279,14 +24292,14 @@
     </a:clrScheme>
     <a:fontScheme name="Custom">
       <a:majorFont>
+        <a:latin typeface="Calibri"/>
+        <a:ea typeface="Calibri"/>
+        <a:cs typeface="Calibri"/>
+      </a:majorFont>
+      <a:minorFont>
         <a:latin typeface="Helvetica"/>
         <a:ea typeface="Helvetica"/>
         <a:cs typeface="Helvetica"/>
-      </a:majorFont>
-      <a:minorFont>
-        <a:latin typeface="Calibri"/>
-        <a:ea typeface="Calibri"/>
-        <a:cs typeface="Calibri"/>
       </a:minorFont>
     </a:fontScheme>
     <a:fmtScheme name="Custom">
@@ -24467,9 +24480,9 @@
             </a:solidFill>
             <a:effectLst/>
             <a:uFillTx/>
-            <a:latin typeface="+mn-lt"/>
-            <a:ea typeface="+mn-ea"/>
-            <a:cs typeface="+mn-cs"/>
+            <a:latin typeface="+mj-lt"/>
+            <a:ea typeface="+mj-ea"/>
+            <a:cs typeface="+mj-cs"/>
             <a:sym typeface="Calibri"/>
           </a:defRPr>
         </a:defPPr>
@@ -25038,9 +25051,9 @@
             </a:solidFill>
             <a:effectLst/>
             <a:uFillTx/>
-            <a:latin typeface="+mn-lt"/>
-            <a:ea typeface="+mn-ea"/>
-            <a:cs typeface="+mn-cs"/>
+            <a:latin typeface="+mj-lt"/>
+            <a:ea typeface="+mj-ea"/>
+            <a:cs typeface="+mj-cs"/>
             <a:sym typeface="Calibri"/>
           </a:defRPr>
         </a:defPPr>
